--- a/IDCC2015_Data_Carpentry.pptx
+++ b/IDCC2015_Data_Carpentry.pptx
@@ -3291,13 +3291,13 @@
         </p:nvSpPr>
         <p:spPr>
           <a:xfrm>
-            <a:off x="685800" y="2536825"/>
-            <a:ext cx="7772400" cy="1470025"/>
+            <a:off x="127000" y="2714625"/>
+            <a:ext cx="8978900" cy="1470025"/>
           </a:xfrm>
         </p:spPr>
         <p:txBody>
           <a:bodyPr>
-            <a:normAutofit fontScale="90000"/>
+            <a:noAutofit/>
           </a:bodyPr>
           <a:lstStyle/>
           <a:p>
@@ -3335,7 +3335,7 @@
         </p:nvSpPr>
         <p:spPr>
           <a:xfrm>
-            <a:off x="368300" y="3956050"/>
+            <a:off x="889000" y="4552950"/>
             <a:ext cx="7404100" cy="2260600"/>
           </a:xfrm>
         </p:spPr>
@@ -3356,13 +3356,12 @@
             </a:endParaRPr>
           </a:p>
           <a:p>
-            <a:pPr algn="l"/>
             <a:r>
               <a:rPr lang="en-US" sz="2400" dirty="0" smtClean="0">
                 <a:solidFill>
                   <a:schemeClr val="tx1">
-                    <a:lumMod val="85000"/>
-                    <a:lumOff val="15000"/>
+                    <a:lumMod val="65000"/>
+                    <a:lumOff val="35000"/>
                   </a:schemeClr>
                 </a:solidFill>
               </a:rPr>
@@ -3372,8 +3371,8 @@
               <a:rPr lang="en-US" sz="2400" dirty="0" smtClean="0">
                 <a:solidFill>
                   <a:schemeClr val="tx1">
-                    <a:lumMod val="85000"/>
-                    <a:lumOff val="15000"/>
+                    <a:lumMod val="65000"/>
+                    <a:lumOff val="35000"/>
                   </a:schemeClr>
                 </a:solidFill>
               </a:rPr>
@@ -3383,8 +3382,8 @@
               <a:rPr lang="en-US" sz="2400" dirty="0" smtClean="0">
                 <a:solidFill>
                   <a:schemeClr val="tx1">
-                    <a:lumMod val="85000"/>
-                    <a:lumOff val="15000"/>
+                    <a:lumMod val="65000"/>
+                    <a:lumOff val="35000"/>
                   </a:schemeClr>
                 </a:solidFill>
               </a:rPr>
@@ -3392,39 +3391,71 @@
             </a:r>
           </a:p>
           <a:p>
-            <a:pPr algn="l"/>
-            <a:r>
-              <a:rPr lang="en-US" sz="2400" dirty="0" smtClean="0"/>
-              <a:t>International Digital </a:t>
-            </a:r>
-            <a:r>
-              <a:rPr lang="en-US" sz="2400" dirty="0" err="1" smtClean="0"/>
-              <a:t>Curation</a:t>
-            </a:r>
-            <a:r>
-              <a:rPr lang="en-US" sz="2400" dirty="0" smtClean="0"/>
-              <a:t> </a:t>
-            </a:r>
-            <a:r>
-              <a:rPr lang="en-US" sz="2400" dirty="0" smtClean="0"/>
-              <a:t>Conference</a:t>
-            </a:r>
-          </a:p>
-          <a:p>
-            <a:pPr algn="l"/>
-            <a:r>
-              <a:rPr lang="en-US" sz="2400" dirty="0" smtClean="0"/>
-              <a:t>London, UK</a:t>
-            </a:r>
-          </a:p>
-          <a:p>
-            <a:pPr algn="l"/>
             <a:r>
               <a:rPr lang="en-US" sz="2400" dirty="0" smtClean="0">
                 <a:solidFill>
                   <a:schemeClr val="tx1">
-                    <a:lumMod val="85000"/>
-                    <a:lumOff val="15000"/>
+                    <a:lumMod val="65000"/>
+                    <a:lumOff val="35000"/>
+                  </a:schemeClr>
+                </a:solidFill>
+              </a:rPr>
+              <a:t>International Digital </a:t>
+            </a:r>
+            <a:r>
+              <a:rPr lang="en-US" sz="2400" dirty="0" err="1" smtClean="0">
+                <a:solidFill>
+                  <a:schemeClr val="tx1">
+                    <a:lumMod val="65000"/>
+                    <a:lumOff val="35000"/>
+                  </a:schemeClr>
+                </a:solidFill>
+              </a:rPr>
+              <a:t>Curation</a:t>
+            </a:r>
+            <a:r>
+              <a:rPr lang="en-US" sz="2400" dirty="0" smtClean="0">
+                <a:solidFill>
+                  <a:schemeClr val="tx1">
+                    <a:lumMod val="65000"/>
+                    <a:lumOff val="35000"/>
+                  </a:schemeClr>
+                </a:solidFill>
+              </a:rPr>
+              <a:t> </a:t>
+            </a:r>
+            <a:r>
+              <a:rPr lang="en-US" sz="2400" dirty="0" smtClean="0">
+                <a:solidFill>
+                  <a:schemeClr val="tx1">
+                    <a:lumMod val="65000"/>
+                    <a:lumOff val="35000"/>
+                  </a:schemeClr>
+                </a:solidFill>
+              </a:rPr>
+              <a:t>Conference</a:t>
+            </a:r>
+          </a:p>
+          <a:p>
+            <a:r>
+              <a:rPr lang="en-US" sz="2400" dirty="0" smtClean="0">
+                <a:solidFill>
+                  <a:schemeClr val="tx1">
+                    <a:lumMod val="65000"/>
+                    <a:lumOff val="35000"/>
+                  </a:schemeClr>
+                </a:solidFill>
+              </a:rPr>
+              <a:t>London, UK</a:t>
+            </a:r>
+          </a:p>
+          <a:p>
+            <a:r>
+              <a:rPr lang="en-US" sz="2400" dirty="0" smtClean="0">
+                <a:solidFill>
+                  <a:schemeClr val="tx1">
+                    <a:lumMod val="65000"/>
+                    <a:lumOff val="35000"/>
                   </a:schemeClr>
                 </a:solidFill>
               </a:rPr>
@@ -3434,8 +3465,8 @@
               <a:rPr lang="en-US" sz="2400" baseline="30000" dirty="0" smtClean="0">
                 <a:solidFill>
                   <a:schemeClr val="tx1">
-                    <a:lumMod val="85000"/>
-                    <a:lumOff val="15000"/>
+                    <a:lumMod val="65000"/>
+                    <a:lumOff val="35000"/>
                   </a:schemeClr>
                 </a:solidFill>
               </a:rPr>
@@ -3445,8 +3476,8 @@
               <a:rPr lang="en-US" sz="2400" dirty="0" smtClean="0">
                 <a:solidFill>
                   <a:schemeClr val="tx1">
-                    <a:lumMod val="85000"/>
-                    <a:lumOff val="15000"/>
+                    <a:lumMod val="65000"/>
+                    <a:lumOff val="35000"/>
                   </a:schemeClr>
                 </a:solidFill>
               </a:rPr>
@@ -3484,8 +3515,8 @@
         </p:blipFill>
         <p:spPr>
           <a:xfrm>
-            <a:off x="3178175" y="-203200"/>
-            <a:ext cx="3178175" cy="3176588"/>
+            <a:off x="2924724" y="-317500"/>
+            <a:ext cx="3653875" cy="3652050"/>
           </a:xfrm>
         </p:spPr>
       </p:pic>
@@ -3505,8 +3536,8 @@
         </p:blipFill>
         <p:spPr>
           <a:xfrm>
-            <a:off x="368299" y="1435100"/>
-            <a:ext cx="2556425" cy="660269"/>
+            <a:off x="63501" y="4337051"/>
+            <a:ext cx="2133600" cy="551062"/>
           </a:xfrm>
           <a:prstGeom prst="rect">
             <a:avLst/>
@@ -3535,8 +3566,8 @@
         </p:blipFill>
         <p:spPr>
           <a:xfrm>
-            <a:off x="7145354" y="1229159"/>
-            <a:ext cx="1578008" cy="1175602"/>
+            <a:off x="7804326" y="4068119"/>
+            <a:ext cx="1301574" cy="969661"/>
           </a:xfrm>
           <a:prstGeom prst="rect">
             <a:avLst/>
@@ -4356,7 +4387,7 @@
         </p:blipFill>
         <p:spPr>
           <a:xfrm>
-            <a:off x="7419902" y="3784600"/>
+            <a:off x="7717056" y="3784600"/>
             <a:ext cx="1228798" cy="1149350"/>
           </a:xfrm>
           <a:prstGeom prst="rect">
@@ -4380,8 +4411,8 @@
         </p:blipFill>
         <p:spPr>
           <a:xfrm>
-            <a:off x="7150100" y="5022850"/>
-            <a:ext cx="1473200" cy="1377950"/>
+            <a:off x="7780556" y="5010150"/>
+            <a:ext cx="1249165" cy="1168400"/>
           </a:xfrm>
           <a:prstGeom prst="rect">
             <a:avLst/>
@@ -4404,7 +4435,7 @@
         </p:blipFill>
         <p:spPr>
           <a:xfrm>
-            <a:off x="5022850" y="4719101"/>
+            <a:off x="5854700" y="6185951"/>
             <a:ext cx="1663700" cy="429698"/>
           </a:xfrm>
           <a:prstGeom prst="rect">
@@ -4434,8 +4465,8 @@
         </p:blipFill>
         <p:spPr>
           <a:xfrm>
-            <a:off x="6283304" y="3643465"/>
-            <a:ext cx="1098591" cy="818440"/>
+            <a:off x="6832600" y="4693394"/>
+            <a:ext cx="884456" cy="658911"/>
           </a:xfrm>
           <a:prstGeom prst="rect">
             <a:avLst/>
@@ -4458,8 +4489,8 @@
         </p:blipFill>
         <p:spPr>
           <a:xfrm>
-            <a:off x="4572000" y="5454840"/>
-            <a:ext cx="1282700" cy="1282700"/>
+            <a:off x="4114610" y="5638800"/>
+            <a:ext cx="1098740" cy="1098740"/>
           </a:xfrm>
           <a:prstGeom prst="rect">
             <a:avLst/>
@@ -4484,6 +4515,78 @@
           <a:xfrm>
             <a:off x="6686550" y="2886308"/>
             <a:ext cx="2279671" cy="664675"/>
+          </a:xfrm>
+          <a:prstGeom prst="rect">
+            <a:avLst/>
+          </a:prstGeom>
+        </p:spPr>
+      </p:pic>
+      <p:pic>
+        <p:nvPicPr>
+          <p:cNvPr id="12" name="Picture 11"/>
+          <p:cNvPicPr>
+            <a:picLocks noChangeAspect="1"/>
+          </p:cNvPicPr>
+          <p:nvPr/>
+        </p:nvPicPr>
+        <p:blipFill>
+          <a:blip r:embed="rId8"/>
+          <a:stretch>
+            <a:fillRect/>
+          </a:stretch>
+        </p:blipFill>
+        <p:spPr>
+          <a:xfrm>
+            <a:off x="4648200" y="5022850"/>
+            <a:ext cx="2413000" cy="622357"/>
+          </a:xfrm>
+          <a:prstGeom prst="rect">
+            <a:avLst/>
+          </a:prstGeom>
+        </p:spPr>
+      </p:pic>
+      <p:pic>
+        <p:nvPicPr>
+          <p:cNvPr id="13" name="Picture 12"/>
+          <p:cNvPicPr>
+            <a:picLocks noChangeAspect="1"/>
+          </p:cNvPicPr>
+          <p:nvPr/>
+        </p:nvPicPr>
+        <p:blipFill>
+          <a:blip r:embed="rId9"/>
+          <a:stretch>
+            <a:fillRect/>
+          </a:stretch>
+        </p:blipFill>
+        <p:spPr>
+          <a:xfrm>
+            <a:off x="6197600" y="3656799"/>
+            <a:ext cx="1740090" cy="536981"/>
+          </a:xfrm>
+          <a:prstGeom prst="rect">
+            <a:avLst/>
+          </a:prstGeom>
+        </p:spPr>
+      </p:pic>
+      <p:pic>
+        <p:nvPicPr>
+          <p:cNvPr id="14" name="Picture 13"/>
+          <p:cNvPicPr>
+            <a:picLocks noChangeAspect="1"/>
+          </p:cNvPicPr>
+          <p:nvPr/>
+        </p:nvPicPr>
+        <p:blipFill>
+          <a:blip r:embed="rId10"/>
+          <a:stretch>
+            <a:fillRect/>
+          </a:stretch>
+        </p:blipFill>
+        <p:spPr>
+          <a:xfrm>
+            <a:off x="4947447" y="4269980"/>
+            <a:ext cx="1739103" cy="635801"/>
           </a:xfrm>
           <a:prstGeom prst="rect">
             <a:avLst/>

--- a/IDCC2015_Data_Carpentry.pptx
+++ b/IDCC2015_Data_Carpentry.pptx
@@ -4435,7 +4435,7 @@
         </p:blipFill>
         <p:spPr>
           <a:xfrm>
-            <a:off x="5854700" y="6185951"/>
+            <a:off x="5854700" y="5843051"/>
             <a:ext cx="1663700" cy="429698"/>
           </a:xfrm>
           <a:prstGeom prst="rect">
@@ -5710,8 +5710,8 @@
         </p:nvSpPr>
         <p:spPr>
           <a:xfrm>
-            <a:off x="215900" y="1196960"/>
-            <a:ext cx="8851900" cy="2146742"/>
+            <a:off x="-50800" y="3340100"/>
+            <a:ext cx="4622800" cy="484748"/>
           </a:xfrm>
           <a:prstGeom prst="rect">
             <a:avLst/>
@@ -5722,32 +5722,6 @@
             <a:spAutoFit/>
           </a:bodyPr>
           <a:lstStyle/>
-          <a:p>
-            <a:pPr indent="360000">
-              <a:lnSpc>
-                <a:spcPct val="150000"/>
-              </a:lnSpc>
-              <a:buSzPct val="100000"/>
-            </a:pPr>
-            <a:r>
-              <a:rPr lang="en-US" b="1" dirty="0" smtClean="0"/>
-              <a:t>Workshops run</a:t>
-            </a:r>
-          </a:p>
-          <a:p>
-            <a:pPr indent="360000">
-              <a:lnSpc>
-                <a:spcPct val="150000"/>
-              </a:lnSpc>
-              <a:buSzPct val="100000"/>
-              <a:buFont typeface="Arial"/>
-              <a:buChar char="•"/>
-            </a:pPr>
-            <a:r>
-              <a:rPr lang="en-US" dirty="0" smtClean="0"/>
-              <a:t>Effective use of spreadsheets</a:t>
-            </a:r>
-          </a:p>
           <a:p>
             <a:pPr indent="360000">
               <a:lnSpc>
@@ -5762,8 +5736,122 @@
                 <a:spcPct val="150000"/>
               </a:lnSpc>
             </a:pPr>
+            <a:endParaRPr lang="en-US" dirty="0"/>
+          </a:p>
+        </p:txBody>
+      </p:sp>
+      <p:sp>
+        <p:nvSpPr>
+          <p:cNvPr id="4" name="Rectangle 3"/>
+          <p:cNvSpPr/>
+          <p:nvPr/>
+        </p:nvSpPr>
+        <p:spPr>
+          <a:xfrm>
+            <a:off x="215900" y="1096962"/>
+            <a:ext cx="7416800" cy="3139321"/>
+          </a:xfrm>
+          <a:prstGeom prst="rect">
+            <a:avLst/>
+          </a:prstGeom>
+        </p:spPr>
+        <p:txBody>
+          <a:bodyPr wrap="square">
+            <a:spAutoFit/>
+          </a:bodyPr>
+          <a:lstStyle/>
+          <a:p>
+            <a:r>
+              <a:rPr lang="en-US" b="1" dirty="0" smtClean="0"/>
+              <a:t>Workshop</a:t>
+            </a:r>
+            <a:r>
+              <a:rPr lang="en-US" dirty="0" smtClean="0"/>
+              <a:t>s:</a:t>
+            </a:r>
+          </a:p>
+          <a:p>
+            <a:r>
+              <a:rPr lang="en-US" dirty="0" smtClean="0"/>
+              <a:t>	</a:t>
+            </a:r>
+            <a:r>
+              <a:rPr lang="en-US" dirty="0" smtClean="0"/>
+              <a:t> </a:t>
+            </a:r>
+            <a:r>
+              <a:rPr lang="en-US" dirty="0" smtClean="0"/>
+              <a:t>at four of the NSF BIO Centers</a:t>
+            </a:r>
+          </a:p>
+          <a:p>
+            <a:pPr lvl="2">
+              <a:buFont typeface="Arial"/>
+              <a:buChar char="•"/>
+            </a:pPr>
             <a:r>
               <a:rPr lang="en-US" dirty="0" err="1" smtClean="0"/>
+              <a:t>iDigBio</a:t>
+            </a:r>
+            <a:endParaRPr lang="en-US" dirty="0" smtClean="0"/>
+          </a:p>
+          <a:p>
+            <a:pPr lvl="2">
+              <a:buFont typeface="Arial"/>
+              <a:buChar char="•"/>
+            </a:pPr>
+            <a:r>
+              <a:rPr lang="en-US" dirty="0" smtClean="0"/>
+              <a:t>BEACON</a:t>
+            </a:r>
+          </a:p>
+          <a:p>
+            <a:pPr lvl="2">
+              <a:buFont typeface="Arial"/>
+              <a:buChar char="•"/>
+            </a:pPr>
+            <a:r>
+              <a:rPr lang="en-US" dirty="0" smtClean="0"/>
+              <a:t>SESYNC</a:t>
+            </a:r>
+          </a:p>
+          <a:p>
+            <a:pPr lvl="2">
+              <a:buFont typeface="Arial"/>
+              <a:buChar char="•"/>
+            </a:pPr>
+            <a:r>
+              <a:rPr lang="en-US" dirty="0" err="1" smtClean="0"/>
+              <a:t>NESCent</a:t>
+            </a:r>
+            <a:endParaRPr lang="en-US" dirty="0" smtClean="0"/>
+          </a:p>
+          <a:p>
+            <a:endParaRPr lang="en-US" dirty="0" smtClean="0"/>
+          </a:p>
+          <a:p>
+            <a:r>
+              <a:rPr lang="en-US" dirty="0" smtClean="0"/>
+              <a:t>	first </a:t>
+            </a:r>
+            <a:r>
+              <a:rPr lang="en-US" dirty="0" smtClean="0"/>
+              <a:t>Data Carpentry workshop in the </a:t>
+            </a:r>
+            <a:r>
+              <a:rPr lang="en-US" dirty="0" smtClean="0"/>
+              <a:t>UK in collaboration with ELIXIR UK</a:t>
+            </a:r>
+          </a:p>
+          <a:p>
+            <a:endParaRPr lang="en-US" dirty="0" smtClean="0"/>
+          </a:p>
+          <a:p>
+            <a:endParaRPr lang="en-US" dirty="0" smtClean="0"/>
+          </a:p>
+          <a:p>
+            <a:r>
+              <a:rPr lang="en-US" b="1" dirty="0" err="1" smtClean="0"/>
               <a:t>Hackathons</a:t>
             </a:r>
             <a:r>
@@ -5772,19 +5860,6 @@
             </a:r>
           </a:p>
           <a:p>
-            <a:pPr indent="360000">
-              <a:lnSpc>
-                <a:spcPct val="150000"/>
-              </a:lnSpc>
-            </a:pPr>
-            <a:endParaRPr lang="en-US" dirty="0" smtClean="0"/>
-          </a:p>
-          <a:p>
-            <a:pPr indent="360000">
-              <a:lnSpc>
-                <a:spcPct val="150000"/>
-              </a:lnSpc>
-            </a:pPr>
             <a:endParaRPr lang="en-US" dirty="0"/>
           </a:p>
         </p:txBody>
@@ -5866,7 +5941,7 @@
         <p:spPr>
           <a:xfrm>
             <a:off x="215900" y="1196960"/>
-            <a:ext cx="8851900" cy="2146742"/>
+            <a:ext cx="8851900" cy="3393237"/>
           </a:xfrm>
           <a:prstGeom prst="rect">
             <a:avLst/>
@@ -5900,7 +5975,21 @@
             </a:pPr>
             <a:r>
               <a:rPr lang="en-US" dirty="0" smtClean="0"/>
-              <a:t>Effective use of spreadsheets</a:t>
+              <a:t>Business model and funding</a:t>
+            </a:r>
+          </a:p>
+          <a:p>
+            <a:pPr indent="360000">
+              <a:lnSpc>
+                <a:spcPct val="150000"/>
+              </a:lnSpc>
+              <a:buSzPct val="100000"/>
+              <a:buFont typeface="Arial"/>
+              <a:buChar char="•"/>
+            </a:pPr>
+            <a:r>
+              <a:rPr lang="en-US" dirty="0" smtClean="0"/>
+              <a:t>Partnerships to ensure </a:t>
             </a:r>
           </a:p>
           <a:p>
@@ -5918,8 +6007,31 @@
               </a:lnSpc>
             </a:pPr>
             <a:r>
-              <a:rPr lang="en-US" dirty="0" smtClean="0"/>
-              <a:t>Strategy for long term development</a:t>
+              <a:rPr lang="en-US" b="1" dirty="0" smtClean="0"/>
+              <a:t>Instructors training</a:t>
+            </a:r>
+          </a:p>
+          <a:p>
+            <a:pPr indent="360000">
+              <a:lnSpc>
+                <a:spcPct val="150000"/>
+              </a:lnSpc>
+            </a:pPr>
+            <a:endParaRPr lang="en-US" dirty="0" smtClean="0"/>
+          </a:p>
+          <a:p>
+            <a:pPr indent="360000">
+              <a:lnSpc>
+                <a:spcPct val="150000"/>
+              </a:lnSpc>
+            </a:pPr>
+            <a:r>
+              <a:rPr lang="en-US" b="1" dirty="0" smtClean="0"/>
+              <a:t>Assessment</a:t>
+            </a:r>
+            <a:r>
+              <a:rPr lang="en-US" dirty="0" smtClean="0"/>
+              <a:t> </a:t>
             </a:r>
           </a:p>
           <a:p>

--- a/IDCC2015_Data_Carpentry.pptx
+++ b/IDCC2015_Data_Carpentry.pptx
@@ -3900,8 +3900,8 @@
         </p:nvSpPr>
         <p:spPr>
           <a:xfrm>
-            <a:off x="2760662" y="2267634"/>
-            <a:ext cx="2838451" cy="646331"/>
+            <a:off x="495300" y="2267634"/>
+            <a:ext cx="4392613" cy="369332"/>
           </a:xfrm>
           <a:prstGeom prst="rect">
             <a:avLst/>
@@ -4016,6 +4016,43 @@
           </a:extLst>
         </p:spPr>
       </p:pic>
+      <p:sp>
+        <p:nvSpPr>
+          <p:cNvPr id="23" name="Rectangle 22"/>
+          <p:cNvSpPr/>
+          <p:nvPr/>
+        </p:nvSpPr>
+        <p:spPr>
+          <a:xfrm>
+            <a:off x="4728421" y="2267634"/>
+            <a:ext cx="4455066" cy="584776"/>
+          </a:xfrm>
+          <a:prstGeom prst="rect">
+            <a:avLst/>
+          </a:prstGeom>
+        </p:spPr>
+        <p:txBody>
+          <a:bodyPr wrap="none">
+            <a:spAutoFit/>
+          </a:bodyPr>
+          <a:lstStyle/>
+          <a:p>
+            <a:r>
+              <a:rPr lang="en-US" sz="3200" dirty="0" smtClean="0"/>
+              <a:t>http://</a:t>
+            </a:r>
+            <a:r>
+              <a:rPr lang="en-US" sz="3200" dirty="0" err="1" smtClean="0"/>
+              <a:t>datacarpentry.org</a:t>
+            </a:r>
+            <a:r>
+              <a:rPr lang="en-US" sz="3200" dirty="0" smtClean="0"/>
+              <a:t>/</a:t>
+            </a:r>
+            <a:endParaRPr lang="en-US" sz="3200" dirty="0"/>
+          </a:p>
+        </p:txBody>
+      </p:sp>
     </p:spTree>
     <p:extLst>
       <p:ext uri="{BB962C8B-B14F-4D97-AF65-F5344CB8AC3E}">
@@ -6142,8 +6179,8 @@
         </p:blipFill>
         <p:spPr>
           <a:xfrm>
-            <a:off x="5730841" y="1654770"/>
-            <a:ext cx="2203517" cy="1641600"/>
+            <a:off x="7237430" y="1546758"/>
+            <a:ext cx="1393858" cy="1038412"/>
           </a:xfrm>
           <a:prstGeom prst="rect">
             <a:avLst/>
@@ -6159,7 +6196,7 @@
         <p:spPr>
           <a:xfrm>
             <a:off x="469900" y="1096962"/>
-            <a:ext cx="7442200" cy="923330"/>
+            <a:ext cx="7442200" cy="1315745"/>
           </a:xfrm>
           <a:prstGeom prst="rect">
             <a:avLst/>
@@ -6171,12 +6208,26 @@
           </a:bodyPr>
           <a:lstStyle/>
           <a:p>
+            <a:pPr indent="457200">
+              <a:lnSpc>
+                <a:spcPct val="150000"/>
+              </a:lnSpc>
+              <a:buFont typeface="Arial"/>
+              <a:buChar char="•"/>
+            </a:pPr>
             <a:r>
               <a:rPr lang="en-US" dirty="0" smtClean="0"/>
               <a:t>Pilot project to set foundations for Data and Software Carpentry in ELIXIR (coordinated by the ELIXIR UK Node)</a:t>
             </a:r>
           </a:p>
           <a:p>
+            <a:pPr indent="457200">
+              <a:lnSpc>
+                <a:spcPct val="150000"/>
+              </a:lnSpc>
+              <a:buFont typeface="Arial"/>
+              <a:buChar char="•"/>
+            </a:pPr>
             <a:r>
               <a:rPr lang="en-US" dirty="0" smtClean="0"/>
               <a:t>Collaboration with  </a:t>

--- a/IDCC2015_Data_Carpentry.pptx
+++ b/IDCC2015_Data_Carpentry.pptx
@@ -5786,7 +5786,7 @@
         <p:spPr>
           <a:xfrm>
             <a:off x="215900" y="1096962"/>
-            <a:ext cx="7416800" cy="3139321"/>
+            <a:ext cx="7416800" cy="3785652"/>
           </a:xfrm>
           <a:prstGeom prst="rect">
             <a:avLst/>
@@ -5799,12 +5799,16 @@
           <a:lstStyle/>
           <a:p>
             <a:r>
-              <a:rPr lang="en-US" b="1" dirty="0" smtClean="0"/>
+              <a:rPr lang="en-US" sz="2400" b="1" dirty="0" smtClean="0"/>
               <a:t>Workshop</a:t>
             </a:r>
             <a:r>
-              <a:rPr lang="en-US" dirty="0" smtClean="0"/>
-              <a:t>s:</a:t>
+              <a:rPr lang="en-US" sz="2400" b="1" dirty="0" smtClean="0"/>
+              <a:t>s</a:t>
+            </a:r>
+            <a:r>
+              <a:rPr lang="en-US" sz="2400" dirty="0" smtClean="0"/>
+              <a:t>:</a:t>
             </a:r>
           </a:p>
           <a:p>
@@ -5884,23 +5888,103 @@
             <a:endParaRPr lang="en-US" dirty="0" smtClean="0"/>
           </a:p>
           <a:p>
-            <a:endParaRPr lang="en-US" dirty="0" smtClean="0"/>
-          </a:p>
-          <a:p>
-            <a:r>
-              <a:rPr lang="en-US" b="1" dirty="0" err="1" smtClean="0"/>
+            <a:endParaRPr lang="en-US" sz="2400" dirty="0" smtClean="0"/>
+          </a:p>
+          <a:p>
+            <a:r>
+              <a:rPr lang="en-US" sz="2400" b="1" dirty="0" err="1" smtClean="0"/>
               <a:t>Hackathons</a:t>
             </a:r>
             <a:r>
-              <a:rPr lang="en-US" dirty="0" smtClean="0"/>
-              <a:t> for material development</a:t>
-            </a:r>
+              <a:rPr lang="en-US" sz="2400" dirty="0" smtClean="0"/>
+              <a:t> for material </a:t>
+            </a:r>
+            <a:r>
+              <a:rPr lang="en-US" sz="2400" dirty="0" smtClean="0"/>
+              <a:t>development</a:t>
+            </a:r>
+          </a:p>
+          <a:p>
+            <a:endParaRPr lang="en-US" sz="2400" dirty="0" smtClean="0"/>
           </a:p>
           <a:p>
             <a:endParaRPr lang="en-US" dirty="0"/>
           </a:p>
         </p:txBody>
       </p:sp>
+      <p:sp>
+        <p:nvSpPr>
+          <p:cNvPr id="5" name="Rectangle 4"/>
+          <p:cNvSpPr/>
+          <p:nvPr/>
+        </p:nvSpPr>
+        <p:spPr>
+          <a:xfrm>
+            <a:off x="892838" y="4513282"/>
+            <a:ext cx="3679162" cy="369332"/>
+          </a:xfrm>
+          <a:prstGeom prst="rect">
+            <a:avLst/>
+          </a:prstGeom>
+        </p:spPr>
+        <p:txBody>
+          <a:bodyPr wrap="none">
+            <a:spAutoFit/>
+          </a:bodyPr>
+          <a:lstStyle/>
+          <a:p>
+            <a:r>
+              <a:rPr lang="en-US" dirty="0" err="1" smtClean="0"/>
+              <a:t>Mozilla</a:t>
+            </a:r>
+            <a:r>
+              <a:rPr lang="en-US" dirty="0" smtClean="0"/>
+              <a:t> Science Lab sprints July 22-23</a:t>
+            </a:r>
+            <a:endParaRPr lang="en-US" dirty="0"/>
+          </a:p>
+        </p:txBody>
+      </p:sp>
+      <p:cxnSp>
+        <p:nvCxnSpPr>
+          <p:cNvPr id="12" name="Elbow Connector 11"/>
+          <p:cNvCxnSpPr/>
+          <p:nvPr/>
+        </p:nvCxnSpPr>
+        <p:spPr>
+          <a:xfrm rot="5400000" flipH="1" flipV="1">
+            <a:off x="5505450" y="3511550"/>
+            <a:ext cx="4813300" cy="965200"/>
+          </a:xfrm>
+          <a:prstGeom prst="bentConnector3">
+            <a:avLst>
+              <a:gd name="adj1" fmla="val 50000"/>
+            </a:avLst>
+          </a:prstGeom>
+          <a:ln w="254000">
+            <a:solidFill>
+              <a:schemeClr val="accent6">
+                <a:lumMod val="75000"/>
+              </a:schemeClr>
+            </a:solidFill>
+            <a:tailEnd type="arrow"/>
+          </a:ln>
+        </p:spPr>
+        <p:style>
+          <a:lnRef idx="2">
+            <a:schemeClr val="accent1"/>
+          </a:lnRef>
+          <a:fillRef idx="0">
+            <a:schemeClr val="accent1"/>
+          </a:fillRef>
+          <a:effectRef idx="1">
+            <a:schemeClr val="accent1"/>
+          </a:effectRef>
+          <a:fontRef idx="minor">
+            <a:schemeClr val="tx1"/>
+          </a:fontRef>
+        </p:style>
+      </p:cxnSp>
     </p:spTree>
     <p:extLst>
       <p:ext uri="{BB962C8B-B14F-4D97-AF65-F5344CB8AC3E}">
@@ -5978,7 +6062,7 @@
         <p:spPr>
           <a:xfrm>
             <a:off x="215900" y="1196960"/>
-            <a:ext cx="8851900" cy="3393237"/>
+            <a:ext cx="8851900" cy="5055230"/>
           </a:xfrm>
           <a:prstGeom prst="rect">
             <a:avLst/>
@@ -6053,22 +6137,25 @@
               <a:lnSpc>
                 <a:spcPct val="150000"/>
               </a:lnSpc>
+              <a:buFont typeface="Arial"/>
+              <a:buChar char="•"/>
             </a:pPr>
-            <a:endParaRPr lang="en-US" dirty="0" smtClean="0"/>
+            <a:r>
+              <a:rPr lang="en-US" dirty="0" smtClean="0"/>
+              <a:t>Growing demand for workshops </a:t>
+            </a:r>
           </a:p>
           <a:p>
             <a:pPr indent="360000">
               <a:lnSpc>
                 <a:spcPct val="150000"/>
               </a:lnSpc>
+              <a:buFont typeface="Arial"/>
+              <a:buChar char="•"/>
             </a:pPr>
             <a:r>
-              <a:rPr lang="en-US" b="1" dirty="0" smtClean="0"/>
-              <a:t>Assessment</a:t>
-            </a:r>
-            <a:r>
-              <a:rPr lang="en-US" dirty="0" smtClean="0"/>
-              <a:t> </a:t>
+              <a:rPr lang="en-US" dirty="0" smtClean="0"/>
+              <a:t>Working together with Software Carpentry Foundation</a:t>
             </a:r>
           </a:p>
           <a:p>
@@ -6085,10 +6172,127 @@
                 <a:spcPct val="150000"/>
               </a:lnSpc>
             </a:pPr>
+            <a:r>
+              <a:rPr lang="en-US" b="1" dirty="0" smtClean="0"/>
+              <a:t>Assessment</a:t>
+            </a:r>
+          </a:p>
+          <a:p>
+            <a:pPr indent="360000">
+              <a:lnSpc>
+                <a:spcPct val="150000"/>
+              </a:lnSpc>
+              <a:buFont typeface="Arial"/>
+              <a:buChar char="•"/>
+            </a:pPr>
+            <a:r>
+              <a:rPr lang="en-US" dirty="0" smtClean="0"/>
+              <a:t>Feedback to improve Data Carpentry</a:t>
+            </a:r>
+          </a:p>
+          <a:p>
+            <a:pPr indent="360000">
+              <a:lnSpc>
+                <a:spcPct val="150000"/>
+              </a:lnSpc>
+              <a:buFont typeface="Arial"/>
+              <a:buChar char="•"/>
+            </a:pPr>
+            <a:r>
+              <a:rPr lang="en-US" dirty="0" smtClean="0"/>
+              <a:t>Evidence of impact making </a:t>
+            </a:r>
+          </a:p>
+          <a:p>
+            <a:pPr indent="360000">
+              <a:lnSpc>
+                <a:spcPct val="150000"/>
+              </a:lnSpc>
+            </a:pPr>
+            <a:endParaRPr lang="en-US" dirty="0" smtClean="0"/>
+          </a:p>
+          <a:p>
+            <a:pPr indent="360000">
+              <a:lnSpc>
+                <a:spcPct val="150000"/>
+              </a:lnSpc>
+            </a:pPr>
             <a:endParaRPr lang="en-US" dirty="0"/>
           </a:p>
         </p:txBody>
       </p:sp>
+      <p:pic>
+        <p:nvPicPr>
+          <p:cNvPr id="6" name="Picture 5"/>
+          <p:cNvPicPr>
+            <a:picLocks noChangeAspect="1"/>
+          </p:cNvPicPr>
+          <p:nvPr/>
+        </p:nvPicPr>
+        <p:blipFill>
+          <a:blip r:embed="rId2"/>
+          <a:stretch>
+            <a:fillRect/>
+          </a:stretch>
+        </p:blipFill>
+        <p:spPr>
+          <a:xfrm rot="1106318">
+            <a:off x="3848100" y="964185"/>
+            <a:ext cx="2495550" cy="1652327"/>
+          </a:xfrm>
+          <a:prstGeom prst="rect">
+            <a:avLst/>
+          </a:prstGeom>
+        </p:spPr>
+      </p:pic>
+      <p:pic>
+        <p:nvPicPr>
+          <p:cNvPr id="7" name="Picture 6"/>
+          <p:cNvPicPr>
+            <a:picLocks noChangeAspect="1"/>
+          </p:cNvPicPr>
+          <p:nvPr/>
+        </p:nvPicPr>
+        <p:blipFill>
+          <a:blip r:embed="rId3"/>
+          <a:stretch>
+            <a:fillRect/>
+          </a:stretch>
+        </p:blipFill>
+        <p:spPr>
+          <a:xfrm>
+            <a:off x="4114636" y="2465255"/>
+            <a:ext cx="2226954" cy="1241788"/>
+          </a:xfrm>
+          <a:prstGeom prst="rect">
+            <a:avLst/>
+          </a:prstGeom>
+        </p:spPr>
+      </p:pic>
+      <p:pic>
+        <p:nvPicPr>
+          <p:cNvPr id="9" name="Picture 8"/>
+          <p:cNvPicPr>
+            <a:picLocks noChangeAspect="1"/>
+          </p:cNvPicPr>
+          <p:nvPr/>
+        </p:nvPicPr>
+        <p:blipFill>
+          <a:blip r:embed="rId4"/>
+          <a:stretch>
+            <a:fillRect/>
+          </a:stretch>
+        </p:blipFill>
+        <p:spPr>
+          <a:xfrm rot="10800000">
+            <a:off x="5093100" y="3967032"/>
+            <a:ext cx="2615800" cy="1864779"/>
+          </a:xfrm>
+          <a:prstGeom prst="rect">
+            <a:avLst/>
+          </a:prstGeom>
+        </p:spPr>
+      </p:pic>
     </p:spTree>
     <p:extLst>
       <p:ext uri="{BB962C8B-B14F-4D97-AF65-F5344CB8AC3E}">
@@ -6196,7 +6400,7 @@
         <p:spPr>
           <a:xfrm>
             <a:off x="469900" y="1096962"/>
-            <a:ext cx="7442200" cy="1315745"/>
+            <a:ext cx="7442200" cy="3393237"/>
           </a:xfrm>
           <a:prstGeom prst="rect">
             <a:avLst/>
@@ -6221,6 +6425,57 @@
             </a:r>
           </a:p>
           <a:p>
+            <a:pPr lvl="1" indent="457200">
+              <a:lnSpc>
+                <a:spcPct val="150000"/>
+              </a:lnSpc>
+              <a:buFont typeface="Wingdings" charset="2"/>
+              <a:buChar char="§"/>
+            </a:pPr>
+            <a:r>
+              <a:rPr lang="en-US" dirty="0" err="1" smtClean="0"/>
+              <a:t>Hackathons</a:t>
+            </a:r>
+            <a:r>
+              <a:rPr lang="en-US" dirty="0" smtClean="0"/>
+              <a:t> for materials development</a:t>
+            </a:r>
+          </a:p>
+          <a:p>
+            <a:pPr lvl="1" indent="457200">
+              <a:lnSpc>
+                <a:spcPct val="150000"/>
+              </a:lnSpc>
+              <a:buFont typeface="Wingdings" charset="2"/>
+              <a:buChar char="§"/>
+            </a:pPr>
+            <a:r>
+              <a:rPr lang="en-US" dirty="0" smtClean="0"/>
+              <a:t>DC workshops</a:t>
+            </a:r>
+          </a:p>
+          <a:p>
+            <a:pPr lvl="1" indent="457200">
+              <a:lnSpc>
+                <a:spcPct val="150000"/>
+              </a:lnSpc>
+              <a:buFont typeface="Wingdings" charset="2"/>
+              <a:buChar char="§"/>
+            </a:pPr>
+            <a:r>
+              <a:rPr lang="en-US" dirty="0" smtClean="0"/>
+              <a:t>Instructors training</a:t>
+            </a:r>
+          </a:p>
+          <a:p>
+            <a:pPr lvl="1" indent="457200">
+              <a:lnSpc>
+                <a:spcPct val="150000"/>
+              </a:lnSpc>
+            </a:pPr>
+            <a:endParaRPr lang="en-US" dirty="0" smtClean="0"/>
+          </a:p>
+          <a:p>
             <a:pPr indent="457200">
               <a:lnSpc>
                 <a:spcPct val="150000"/>
@@ -6230,7 +6485,22 @@
             </a:pPr>
             <a:r>
               <a:rPr lang="en-US" dirty="0" smtClean="0"/>
-              <a:t>Collaboration with  </a:t>
+              <a:t>Aim </a:t>
+            </a:r>
+            <a:r>
+              <a:rPr lang="en-US" dirty="0" smtClean="0"/>
+              <a:t>for 24 workshops in the first calendar year (2015).</a:t>
+            </a:r>
+          </a:p>
+          <a:p>
+            <a:pPr indent="457200">
+              <a:lnSpc>
+                <a:spcPct val="150000"/>
+              </a:lnSpc>
+            </a:pPr>
+            <a:r>
+              <a:rPr lang="en-US" dirty="0" smtClean="0"/>
+              <a:t>  </a:t>
             </a:r>
             <a:endParaRPr lang="en-US" dirty="0"/>
           </a:p>

--- a/IDCC2015_Data_Carpentry.pptx
+++ b/IDCC2015_Data_Carpentry.pptx
@@ -6400,7 +6400,7 @@
         <p:spPr>
           <a:xfrm>
             <a:off x="469900" y="1096962"/>
-            <a:ext cx="7442200" cy="3393237"/>
+            <a:ext cx="7442200" cy="4362733"/>
           </a:xfrm>
           <a:prstGeom prst="rect">
             <a:avLst/>
@@ -6472,6 +6472,50 @@
               <a:lnSpc>
                 <a:spcPct val="150000"/>
               </a:lnSpc>
+            </a:pPr>
+            <a:endParaRPr lang="en-US" dirty="0" smtClean="0"/>
+          </a:p>
+          <a:p>
+            <a:pPr indent="457200">
+              <a:buFont typeface="Arial"/>
+              <a:buChar char="•"/>
+            </a:pPr>
+            <a:r>
+              <a:rPr lang="en-US" dirty="0" smtClean="0"/>
+              <a:t>Data Carpentry Genomics Workshop </a:t>
+            </a:r>
+            <a:r>
+              <a:rPr lang="en-US" dirty="0" err="1" smtClean="0"/>
+              <a:t>Hackathon</a:t>
+            </a:r>
+            <a:r>
+              <a:rPr lang="en-US" dirty="0" smtClean="0"/>
+              <a:t>: Curriculum </a:t>
+            </a:r>
+            <a:r>
+              <a:rPr lang="en-US" dirty="0" smtClean="0"/>
+              <a:t>&amp; Assessment </a:t>
+            </a:r>
+            <a:r>
+              <a:rPr lang="en-US" dirty="0" smtClean="0"/>
+              <a:t>Development, </a:t>
+            </a:r>
+            <a:r>
+              <a:rPr lang="en-US" dirty="0" smtClean="0"/>
+              <a:t>Cold Spring Harbor </a:t>
+            </a:r>
+            <a:r>
+              <a:rPr lang="en-US" dirty="0" smtClean="0"/>
+              <a:t>Laboratory </a:t>
+            </a:r>
+          </a:p>
+          <a:p>
+            <a:pPr indent="457200">
+              <a:lnSpc>
+                <a:spcPct val="150000"/>
+              </a:lnSpc>
+              <a:buFont typeface="Arial"/>
+              <a:buChar char="•"/>
             </a:pPr>
             <a:endParaRPr lang="en-US" dirty="0" smtClean="0"/>
           </a:p>

--- a/IDCC2015_Data_Carpentry.pptx
+++ b/IDCC2015_Data_Carpentry.pptx
@@ -6285,7 +6285,7 @@
         </p:blipFill>
         <p:spPr>
           <a:xfrm rot="10800000">
-            <a:off x="5093100" y="3967032"/>
+            <a:off x="4216800" y="3967033"/>
             <a:ext cx="2615800" cy="1864779"/>
           </a:xfrm>
           <a:prstGeom prst="rect">
@@ -6383,7 +6383,7 @@
         </p:blipFill>
         <p:spPr>
           <a:xfrm>
-            <a:off x="7237430" y="1546758"/>
+            <a:off x="7215171" y="1546758"/>
             <a:ext cx="1393858" cy="1038412"/>
           </a:xfrm>
           <a:prstGeom prst="rect">
@@ -6399,8 +6399,8 @@
         </p:nvSpPr>
         <p:spPr>
           <a:xfrm>
-            <a:off x="469900" y="1096962"/>
-            <a:ext cx="7442200" cy="4362733"/>
+            <a:off x="177800" y="1096962"/>
+            <a:ext cx="7734300" cy="3393237"/>
           </a:xfrm>
           <a:prstGeom prst="rect">
             <a:avLst/>
@@ -6426,13 +6426,18 @@
           </a:p>
           <a:p>
             <a:pPr lvl="1" indent="457200">
-              <a:lnSpc>
-                <a:spcPct val="150000"/>
-              </a:lnSpc>
               <a:buFont typeface="Wingdings" charset="2"/>
               <a:buChar char="§"/>
             </a:pPr>
             <a:r>
+              <a:rPr lang="en-US" b="1" dirty="0" smtClean="0"/>
+              <a:t>2</a:t>
+            </a:r>
+            <a:r>
+              <a:rPr lang="en-US" dirty="0" smtClean="0"/>
+              <a:t> European-wide </a:t>
+            </a:r>
+            <a:r>
               <a:rPr lang="en-US" dirty="0" err="1" smtClean="0"/>
               <a:t>Hackathons</a:t>
             </a:r>
@@ -6443,35 +6448,36 @@
           </a:p>
           <a:p>
             <a:pPr lvl="1" indent="457200">
-              <a:lnSpc>
-                <a:spcPct val="150000"/>
-              </a:lnSpc>
               <a:buFont typeface="Wingdings" charset="2"/>
               <a:buChar char="§"/>
             </a:pPr>
             <a:r>
-              <a:rPr lang="en-US" dirty="0" smtClean="0"/>
-              <a:t>DC workshops</a:t>
+              <a:rPr lang="en-US" b="1" dirty="0" smtClean="0"/>
+              <a:t>2</a:t>
+            </a:r>
+            <a:r>
+              <a:rPr lang="en-US" dirty="0" smtClean="0"/>
+              <a:t> DC workshops</a:t>
             </a:r>
           </a:p>
           <a:p>
             <a:pPr lvl="1" indent="457200">
-              <a:lnSpc>
-                <a:spcPct val="150000"/>
-              </a:lnSpc>
               <a:buFont typeface="Wingdings" charset="2"/>
               <a:buChar char="§"/>
             </a:pPr>
             <a:r>
-              <a:rPr lang="en-US" dirty="0" smtClean="0"/>
-              <a:t>Instructors training</a:t>
+              <a:rPr lang="en-US" b="1" dirty="0" smtClean="0"/>
+              <a:t>1</a:t>
+            </a:r>
+            <a:r>
+              <a:rPr lang="en-US" dirty="0" smtClean="0"/>
+              <a:t> Instructors training</a:t>
             </a:r>
           </a:p>
           <a:p>
             <a:pPr lvl="1" indent="457200">
-              <a:lnSpc>
-                <a:spcPct val="150000"/>
-              </a:lnSpc>
+              <a:buFont typeface="Wingdings" charset="2"/>
+              <a:buChar char="§"/>
             </a:pPr>
             <a:endParaRPr lang="en-US" dirty="0" smtClean="0"/>
           </a:p>
@@ -6482,7 +6488,11 @@
             </a:pPr>
             <a:r>
               <a:rPr lang="en-US" dirty="0" smtClean="0"/>
-              <a:t>Data Carpentry Genomics Workshop </a:t>
+              <a:t>Genomics </a:t>
+            </a:r>
+            <a:r>
+              <a:rPr lang="en-US" dirty="0" smtClean="0"/>
+              <a:t>Workshop </a:t>
             </a:r>
             <a:r>
               <a:rPr lang="en-US" dirty="0" err="1" smtClean="0"/>
@@ -6517,23 +6527,29 @@
               <a:buFont typeface="Arial"/>
               <a:buChar char="•"/>
             </a:pPr>
-            <a:endParaRPr lang="en-US" dirty="0" smtClean="0"/>
-          </a:p>
-          <a:p>
-            <a:pPr indent="457200">
-              <a:lnSpc>
-                <a:spcPct val="150000"/>
-              </a:lnSpc>
-              <a:buFont typeface="Arial"/>
-              <a:buChar char="•"/>
-            </a:pPr>
             <a:r>
               <a:rPr lang="en-US" dirty="0" smtClean="0"/>
               <a:t>Aim </a:t>
             </a:r>
             <a:r>
               <a:rPr lang="en-US" dirty="0" smtClean="0"/>
-              <a:t>for 24 workshops in the first calendar year (2015).</a:t>
+              <a:t>for </a:t>
+            </a:r>
+            <a:r>
+              <a:rPr lang="en-US" b="1" dirty="0" smtClean="0"/>
+              <a:t>24 workshops </a:t>
+            </a:r>
+            <a:r>
+              <a:rPr lang="en-US" dirty="0" smtClean="0"/>
+              <a:t>in the first calendar year (</a:t>
+            </a:r>
+            <a:r>
+              <a:rPr lang="en-US" b="1" dirty="0" smtClean="0"/>
+              <a:t>2015</a:t>
+            </a:r>
+            <a:r>
+              <a:rPr lang="en-US" dirty="0" smtClean="0"/>
+              <a:t>)</a:t>
             </a:r>
           </a:p>
           <a:p>
@@ -6550,6 +6566,54 @@
           </a:p>
         </p:txBody>
       </p:sp>
+      <p:pic>
+        <p:nvPicPr>
+          <p:cNvPr id="10" name="Picture 9"/>
+          <p:cNvPicPr>
+            <a:picLocks noChangeAspect="1"/>
+          </p:cNvPicPr>
+          <p:nvPr/>
+        </p:nvPicPr>
+        <p:blipFill>
+          <a:blip r:embed="rId3"/>
+          <a:stretch>
+            <a:fillRect/>
+          </a:stretch>
+        </p:blipFill>
+        <p:spPr>
+          <a:xfrm>
+            <a:off x="6917506" y="3545335"/>
+            <a:ext cx="1989188" cy="944864"/>
+          </a:xfrm>
+          <a:prstGeom prst="rect">
+            <a:avLst/>
+          </a:prstGeom>
+        </p:spPr>
+      </p:pic>
+      <p:pic>
+        <p:nvPicPr>
+          <p:cNvPr id="11" name="Picture 10"/>
+          <p:cNvPicPr>
+            <a:picLocks noChangeAspect="1"/>
+          </p:cNvPicPr>
+          <p:nvPr/>
+        </p:nvPicPr>
+        <p:blipFill>
+          <a:blip r:embed="rId4"/>
+          <a:stretch>
+            <a:fillRect/>
+          </a:stretch>
+        </p:blipFill>
+        <p:spPr>
+          <a:xfrm>
+            <a:off x="3048000" y="4167187"/>
+            <a:ext cx="2614613" cy="2614613"/>
+          </a:xfrm>
+          <a:prstGeom prst="rect">
+            <a:avLst/>
+          </a:prstGeom>
+        </p:spPr>
+      </p:pic>
     </p:spTree>
     <p:extLst>
       <p:ext uri="{BB962C8B-B14F-4D97-AF65-F5344CB8AC3E}">
@@ -6657,7 +6721,7 @@
             <a:pPr algn="ctr"/>
             <a:r>
               <a:rPr lang="en-US" sz="2400" dirty="0" smtClean="0"/>
-              <a:t>Tomorrow 9-5pm , 11</a:t>
+              <a:t>Tomorrow, 11</a:t>
             </a:r>
             <a:r>
               <a:rPr lang="en-US" sz="2400" baseline="30000" dirty="0" smtClean="0"/>
@@ -6665,7 +6729,15 @@
             </a:r>
             <a:r>
               <a:rPr lang="en-US" sz="2400" dirty="0" smtClean="0"/>
-              <a:t> February </a:t>
+              <a:t> February, </a:t>
+            </a:r>
+            <a:r>
+              <a:rPr lang="en-US" sz="2400" dirty="0" smtClean="0"/>
+              <a:t>9-5pm </a:t>
+            </a:r>
+            <a:r>
+              <a:rPr lang="en-US" sz="2400" dirty="0" smtClean="0"/>
+              <a:t> </a:t>
             </a:r>
           </a:p>
           <a:p>

--- a/IDCC2015_Data_Carpentry.pptx
+++ b/IDCC2015_Data_Carpentry.pptx
@@ -3291,8 +3291,8 @@
         </p:nvSpPr>
         <p:spPr>
           <a:xfrm>
-            <a:off x="127000" y="2714625"/>
-            <a:ext cx="8978900" cy="1470025"/>
+            <a:off x="0" y="2496494"/>
+            <a:ext cx="9105900" cy="1470025"/>
           </a:xfrm>
         </p:spPr>
         <p:txBody>
@@ -3302,7 +3302,7 @@
           <a:lstStyle/>
           <a:p>
             <a:r>
-              <a:rPr lang="en-US" dirty="0" smtClean="0">
+              <a:rPr lang="en-US" b="1" dirty="0" smtClean="0">
                 <a:solidFill>
                   <a:schemeClr val="tx1">
                     <a:lumMod val="75000"/>
@@ -3312,7 +3312,7 @@
               </a:rPr>
               <a:t>Data Carpentry: workshops to increase data literacy for researchers</a:t>
             </a:r>
-            <a:endParaRPr lang="en-US" dirty="0">
+            <a:endParaRPr lang="en-US" b="1" dirty="0">
               <a:solidFill>
                 <a:schemeClr val="tx1">
                   <a:lumMod val="75000"/>
@@ -3335,13 +3335,13 @@
         </p:nvSpPr>
         <p:spPr>
           <a:xfrm>
-            <a:off x="889000" y="4552950"/>
+            <a:off x="1219200" y="4184650"/>
             <a:ext cx="7404100" cy="2260600"/>
           </a:xfrm>
         </p:spPr>
         <p:txBody>
           <a:bodyPr>
-            <a:normAutofit/>
+            <a:normAutofit fontScale="92500" lnSpcReduction="10000"/>
           </a:bodyPr>
           <a:lstStyle/>
           <a:p>
@@ -3391,8 +3391,18 @@
             </a:r>
           </a:p>
           <a:p>
-            <a:r>
-              <a:rPr lang="en-US" sz="2400" dirty="0" smtClean="0">
+            <a:endParaRPr lang="en-US" sz="2400" i="1" dirty="0" smtClean="0">
+              <a:solidFill>
+                <a:schemeClr val="tx1">
+                  <a:lumMod val="65000"/>
+                  <a:lumOff val="35000"/>
+                </a:schemeClr>
+              </a:solidFill>
+            </a:endParaRPr>
+          </a:p>
+          <a:p>
+            <a:r>
+              <a:rPr lang="en-US" sz="2400" i="1" dirty="0" smtClean="0">
                 <a:solidFill>
                   <a:schemeClr val="tx1">
                     <a:lumMod val="65000"/>
@@ -3400,10 +3410,21 @@
                   </a:schemeClr>
                 </a:solidFill>
               </a:rPr>
-              <a:t>International Digital </a:t>
-            </a:r>
-            <a:r>
-              <a:rPr lang="en-US" sz="2400" dirty="0" err="1" smtClean="0">
+              <a:t>International </a:t>
+            </a:r>
+            <a:r>
+              <a:rPr lang="en-US" sz="2400" i="1" dirty="0" smtClean="0">
+                <a:solidFill>
+                  <a:schemeClr val="tx1">
+                    <a:lumMod val="65000"/>
+                    <a:lumOff val="35000"/>
+                  </a:schemeClr>
+                </a:solidFill>
+              </a:rPr>
+              <a:t>Digital </a:t>
+            </a:r>
+            <a:r>
+              <a:rPr lang="en-US" sz="2400" i="1" dirty="0" err="1" smtClean="0">
                 <a:solidFill>
                   <a:schemeClr val="tx1">
                     <a:lumMod val="65000"/>
@@ -3414,7 +3435,7 @@
               <a:t>Curation</a:t>
             </a:r>
             <a:r>
-              <a:rPr lang="en-US" sz="2400" dirty="0" smtClean="0">
+              <a:rPr lang="en-US" sz="2400" i="1" dirty="0" smtClean="0">
                 <a:solidFill>
                   <a:schemeClr val="tx1">
                     <a:lumMod val="65000"/>
@@ -3425,7 +3446,7 @@
               <a:t> </a:t>
             </a:r>
             <a:r>
-              <a:rPr lang="en-US" sz="2400" dirty="0" smtClean="0">
+              <a:rPr lang="en-US" sz="2400" i="1" dirty="0" smtClean="0">
                 <a:solidFill>
                   <a:schemeClr val="tx1">
                     <a:lumMod val="65000"/>
@@ -3438,7 +3459,7 @@
           </a:p>
           <a:p>
             <a:r>
-              <a:rPr lang="en-US" sz="2400" dirty="0" smtClean="0">
+              <a:rPr lang="en-US" sz="2400" i="1" dirty="0" smtClean="0">
                 <a:solidFill>
                   <a:schemeClr val="tx1">
                     <a:lumMod val="65000"/>
@@ -3451,7 +3472,7 @@
           </a:p>
           <a:p>
             <a:r>
-              <a:rPr lang="en-US" sz="2400" dirty="0" smtClean="0">
+              <a:rPr lang="en-US" sz="2400" i="1" dirty="0" smtClean="0">
                 <a:solidFill>
                   <a:schemeClr val="tx1">
                     <a:lumMod val="65000"/>
@@ -3462,7 +3483,7 @@
               <a:t>10</a:t>
             </a:r>
             <a:r>
-              <a:rPr lang="en-US" sz="2400" baseline="30000" dirty="0" smtClean="0">
+              <a:rPr lang="en-US" sz="2400" i="1" baseline="30000" dirty="0" smtClean="0">
                 <a:solidFill>
                   <a:schemeClr val="tx1">
                     <a:lumMod val="65000"/>
@@ -3473,7 +3494,7 @@
               <a:t>th</a:t>
             </a:r>
             <a:r>
-              <a:rPr lang="en-US" sz="2400" dirty="0" smtClean="0">
+              <a:rPr lang="en-US" sz="2400" i="1" dirty="0" smtClean="0">
                 <a:solidFill>
                   <a:schemeClr val="tx1">
                     <a:lumMod val="65000"/>
@@ -3515,7 +3536,7 @@
         </p:blipFill>
         <p:spPr>
           <a:xfrm>
-            <a:off x="2924724" y="-317500"/>
+            <a:off x="2924724" y="-469900"/>
             <a:ext cx="3653875" cy="3652050"/>
           </a:xfrm>
         </p:spPr>
@@ -3536,7 +3557,7 @@
         </p:blipFill>
         <p:spPr>
           <a:xfrm>
-            <a:off x="63501" y="4337051"/>
+            <a:off x="63501" y="6125269"/>
             <a:ext cx="2133600" cy="551062"/>
           </a:xfrm>
           <a:prstGeom prst="rect">
@@ -3566,7 +3587,7 @@
         </p:blipFill>
         <p:spPr>
           <a:xfrm>
-            <a:off x="7804326" y="4068119"/>
+            <a:off x="7626526" y="5762182"/>
             <a:ext cx="1301574" cy="969661"/>
           </a:xfrm>
           <a:prstGeom prst="rect">
@@ -3900,8 +3921,8 @@
         </p:nvSpPr>
         <p:spPr>
           <a:xfrm>
-            <a:off x="495300" y="2267634"/>
-            <a:ext cx="4392613" cy="369332"/>
+            <a:off x="701676" y="2267634"/>
+            <a:ext cx="2552700" cy="646331"/>
           </a:xfrm>
           <a:prstGeom prst="rect">
             <a:avLst/>
@@ -4024,32 +4045,49 @@
         </p:nvSpPr>
         <p:spPr>
           <a:xfrm>
-            <a:off x="4728421" y="2267634"/>
-            <a:ext cx="4455066" cy="584776"/>
+            <a:off x="3746500" y="2267634"/>
+            <a:ext cx="5436987" cy="707886"/>
           </a:xfrm>
           <a:prstGeom prst="rect">
             <a:avLst/>
           </a:prstGeom>
         </p:spPr>
         <p:txBody>
-          <a:bodyPr wrap="none">
+          <a:bodyPr wrap="square">
             <a:spAutoFit/>
           </a:bodyPr>
           <a:lstStyle/>
           <a:p>
             <a:r>
-              <a:rPr lang="en-US" sz="3200" dirty="0" smtClean="0"/>
+              <a:rPr lang="en-US" sz="4000" b="1" dirty="0" smtClean="0">
+                <a:solidFill>
+                  <a:schemeClr val="tx1">
+                    <a:lumMod val="75000"/>
+                    <a:lumOff val="25000"/>
+                  </a:schemeClr>
+                </a:solidFill>
+              </a:rPr>
               <a:t>http://</a:t>
             </a:r>
             <a:r>
-              <a:rPr lang="en-US" sz="3200" dirty="0" err="1" smtClean="0"/>
+              <a:rPr lang="en-US" sz="4000" b="1" dirty="0" err="1" smtClean="0">
+                <a:solidFill>
+                  <a:schemeClr val="tx1">
+                    <a:lumMod val="75000"/>
+                    <a:lumOff val="25000"/>
+                  </a:schemeClr>
+                </a:solidFill>
+              </a:rPr>
               <a:t>datacarpentry.org</a:t>
             </a:r>
-            <a:r>
-              <a:rPr lang="en-US" sz="3200" dirty="0" smtClean="0"/>
-              <a:t>/</a:t>
-            </a:r>
-            <a:endParaRPr lang="en-US" sz="3200" dirty="0"/>
+            <a:endParaRPr lang="en-US" sz="4000" b="1" dirty="0">
+              <a:solidFill>
+                <a:schemeClr val="tx1">
+                  <a:lumMod val="75000"/>
+                  <a:lumOff val="25000"/>
+                </a:schemeClr>
+              </a:solidFill>
+            </a:endParaRPr>
           </a:p>
         </p:txBody>
       </p:sp>
@@ -4090,327 +4128,9 @@
           <a:chExt cx="0" cy="0"/>
         </a:xfrm>
       </p:grpSpPr>
-      <p:sp>
-        <p:nvSpPr>
-          <p:cNvPr id="2" name="Title 1"/>
-          <p:cNvSpPr>
-            <a:spLocks noGrp="1"/>
-          </p:cNvSpPr>
-          <p:nvPr>
-            <p:ph type="title"/>
-          </p:nvPr>
-        </p:nvSpPr>
-        <p:spPr>
-          <a:xfrm>
-            <a:off x="0" y="0"/>
-            <a:ext cx="6832600" cy="1096962"/>
-          </a:xfrm>
-        </p:spPr>
-        <p:txBody>
-          <a:bodyPr>
-            <a:normAutofit/>
-          </a:bodyPr>
-          <a:lstStyle/>
-          <a:p>
-            <a:pPr algn="l"/>
-            <a:r>
-              <a:rPr lang="en-US" dirty="0" smtClean="0"/>
-              <a:t>Who is Data Carpentry </a:t>
-            </a:r>
-            <a:endParaRPr lang="en-US" dirty="0"/>
-          </a:p>
-        </p:txBody>
-      </p:sp>
-      <p:sp>
-        <p:nvSpPr>
-          <p:cNvPr id="7" name="Rectangle 6"/>
-          <p:cNvSpPr/>
-          <p:nvPr/>
-        </p:nvSpPr>
-        <p:spPr>
-          <a:xfrm>
-            <a:off x="203200" y="1017876"/>
-            <a:ext cx="8420100" cy="5078314"/>
-          </a:xfrm>
-          <a:prstGeom prst="rect">
-            <a:avLst/>
-          </a:prstGeom>
-        </p:spPr>
-        <p:txBody>
-          <a:bodyPr wrap="square">
-            <a:spAutoFit/>
-          </a:bodyPr>
-          <a:lstStyle/>
-          <a:p>
-            <a:pPr>
-              <a:buFont typeface="Arial"/>
-              <a:buChar char="•"/>
-            </a:pPr>
-            <a:r>
-              <a:rPr lang="en-US" b="1" dirty="0" smtClean="0"/>
-              <a:t> Project lead: </a:t>
-            </a:r>
-          </a:p>
-          <a:p>
-            <a:pPr lvl="1"/>
-            <a:r>
-              <a:rPr lang="en-US" dirty="0" smtClean="0"/>
-              <a:t>Tracy </a:t>
-            </a:r>
-            <a:r>
-              <a:rPr lang="en-US" dirty="0" smtClean="0"/>
-              <a:t>K. </a:t>
-            </a:r>
-            <a:r>
-              <a:rPr lang="en-US" dirty="0" smtClean="0"/>
-              <a:t>Teal (Michigan </a:t>
-            </a:r>
-            <a:r>
-              <a:rPr lang="en-US" dirty="0" smtClean="0"/>
-              <a:t>State </a:t>
-            </a:r>
-            <a:r>
-              <a:rPr lang="en-US" dirty="0" smtClean="0"/>
-              <a:t>University) </a:t>
-            </a:r>
-          </a:p>
-          <a:p>
-            <a:pPr>
-              <a:buFont typeface="Arial"/>
-              <a:buChar char="•"/>
-            </a:pPr>
-            <a:endParaRPr lang="en-US" dirty="0" smtClean="0"/>
-          </a:p>
-          <a:p>
-            <a:pPr>
-              <a:buFont typeface="Arial"/>
-              <a:buChar char="•"/>
-            </a:pPr>
-            <a:r>
-              <a:rPr lang="en-US" b="1" dirty="0" smtClean="0"/>
-              <a:t> Steering Committee: </a:t>
-            </a:r>
-          </a:p>
-          <a:p>
-            <a:pPr lvl="1"/>
-            <a:r>
-              <a:rPr lang="en-US" dirty="0" smtClean="0"/>
-              <a:t>Karen </a:t>
-            </a:r>
-            <a:r>
-              <a:rPr lang="en-US" dirty="0" smtClean="0"/>
-              <a:t>A. Cranston, Hilmar Lapp</a:t>
-            </a:r>
-            <a:r>
-              <a:rPr lang="en-US" dirty="0" smtClean="0"/>
-              <a:t> </a:t>
-            </a:r>
-            <a:r>
-              <a:rPr lang="en-US" dirty="0" smtClean="0"/>
-              <a:t>(</a:t>
-            </a:r>
-            <a:r>
-              <a:rPr lang="en-US" dirty="0" smtClean="0"/>
-              <a:t>National </a:t>
-            </a:r>
-            <a:r>
-              <a:rPr lang="en-US" dirty="0" smtClean="0"/>
-              <a:t>Evolutionary Synthesis </a:t>
-            </a:r>
-            <a:r>
-              <a:rPr lang="en-US" dirty="0" smtClean="0"/>
-              <a:t>Center, </a:t>
-            </a:r>
-            <a:r>
-              <a:rPr lang="en-US" dirty="0" err="1" smtClean="0"/>
-              <a:t>NESCent</a:t>
-            </a:r>
-            <a:r>
-              <a:rPr lang="en-US" dirty="0" smtClean="0"/>
-              <a:t>) </a:t>
-            </a:r>
-          </a:p>
-          <a:p>
-            <a:pPr lvl="1"/>
-            <a:r>
-              <a:rPr lang="en-US" dirty="0" smtClean="0"/>
-              <a:t>Ethan White (Utah </a:t>
-            </a:r>
-            <a:r>
-              <a:rPr lang="en-US" dirty="0" smtClean="0"/>
-              <a:t>State </a:t>
-            </a:r>
-            <a:r>
-              <a:rPr lang="en-US" dirty="0" smtClean="0"/>
-              <a:t>University) </a:t>
-            </a:r>
-          </a:p>
-          <a:p>
-            <a:pPr lvl="1"/>
-            <a:r>
-              <a:rPr lang="en-US" dirty="0" smtClean="0"/>
-              <a:t>Greg Wilson (Software </a:t>
-            </a:r>
-            <a:r>
-              <a:rPr lang="en-US" dirty="0" smtClean="0"/>
-              <a:t>Carpentry </a:t>
-            </a:r>
-            <a:r>
-              <a:rPr lang="en-US" dirty="0" smtClean="0"/>
-              <a:t>Foundation)</a:t>
-            </a:r>
-          </a:p>
-          <a:p>
-            <a:pPr lvl="1"/>
-            <a:r>
-              <a:rPr lang="en-US" dirty="0" err="1" smtClean="0"/>
-              <a:t>Karthik</a:t>
-            </a:r>
-            <a:r>
-              <a:rPr lang="en-US" dirty="0" smtClean="0"/>
-              <a:t> Ram (University </a:t>
-            </a:r>
-            <a:r>
-              <a:rPr lang="en-US" dirty="0" smtClean="0"/>
-              <a:t>of </a:t>
-            </a:r>
-            <a:r>
-              <a:rPr lang="en-US" dirty="0" smtClean="0"/>
-              <a:t>California)</a:t>
-            </a:r>
-          </a:p>
-          <a:p>
-            <a:pPr lvl="1"/>
-            <a:r>
-              <a:rPr lang="en-US" dirty="0" smtClean="0"/>
-              <a:t>Aleksandra Pawlik (University </a:t>
-            </a:r>
-            <a:r>
-              <a:rPr lang="en-US" dirty="0" smtClean="0"/>
-              <a:t>of </a:t>
-            </a:r>
-            <a:r>
-              <a:rPr lang="en-US" dirty="0" smtClean="0"/>
-              <a:t>Manchester)</a:t>
-            </a:r>
-          </a:p>
-          <a:p>
-            <a:pPr>
-              <a:buFont typeface="Arial"/>
-              <a:buChar char="•"/>
-            </a:pPr>
-            <a:endParaRPr lang="en-US" dirty="0" smtClean="0"/>
-          </a:p>
-          <a:p>
-            <a:pPr>
-              <a:buFont typeface="Arial"/>
-              <a:buChar char="•"/>
-            </a:pPr>
-            <a:r>
-              <a:rPr lang="en-US" b="1" dirty="0" smtClean="0"/>
-              <a:t> Administrators:</a:t>
-            </a:r>
-            <a:r>
-              <a:rPr lang="en-US" dirty="0" smtClean="0"/>
-              <a:t> </a:t>
-            </a:r>
-            <a:r>
-              <a:rPr lang="en-US" dirty="0" err="1" smtClean="0"/>
-              <a:t>Arliss</a:t>
-            </a:r>
-            <a:r>
-              <a:rPr lang="en-US" dirty="0" smtClean="0"/>
-              <a:t> Collins (MSL) and </a:t>
-            </a:r>
-            <a:r>
-              <a:rPr lang="en-US" dirty="0" err="1" smtClean="0"/>
-              <a:t>Giacomo</a:t>
-            </a:r>
-            <a:r>
-              <a:rPr lang="en-US" dirty="0" smtClean="0"/>
-              <a:t> Peru (SSI)</a:t>
-            </a:r>
-          </a:p>
-          <a:p>
-            <a:pPr>
-              <a:buFont typeface="Arial"/>
-              <a:buChar char="•"/>
-            </a:pPr>
-            <a:endParaRPr lang="en-US" dirty="0" smtClean="0"/>
-          </a:p>
-          <a:p>
-            <a:pPr>
-              <a:buFont typeface="Arial"/>
-              <a:buChar char="•"/>
-            </a:pPr>
-            <a:r>
-              <a:rPr lang="en-US" b="1" dirty="0" smtClean="0"/>
-              <a:t> Assessment support: </a:t>
-            </a:r>
-            <a:r>
-              <a:rPr lang="en-US" dirty="0" smtClean="0"/>
-              <a:t>Shari Ellis, </a:t>
-            </a:r>
-            <a:r>
-              <a:rPr lang="en-US" dirty="0" err="1" smtClean="0"/>
-              <a:t>iDigBio</a:t>
-            </a:r>
-            <a:r>
-              <a:rPr lang="en-US" dirty="0" smtClean="0"/>
-              <a:t> </a:t>
-            </a:r>
-          </a:p>
-          <a:p>
-            <a:pPr>
-              <a:buFont typeface="Arial"/>
-              <a:buChar char="•"/>
-            </a:pPr>
-            <a:endParaRPr lang="en-US" dirty="0" smtClean="0"/>
-          </a:p>
-          <a:p>
-            <a:pPr>
-              <a:buFont typeface="Arial"/>
-              <a:buChar char="•"/>
-            </a:pPr>
-            <a:r>
-              <a:rPr lang="en-US" b="1" dirty="0" smtClean="0"/>
-              <a:t> Instructors: </a:t>
-            </a:r>
-            <a:r>
-              <a:rPr lang="en-US" dirty="0" smtClean="0"/>
-              <a:t>international volunteer network</a:t>
-            </a:r>
-          </a:p>
-          <a:p>
-            <a:endParaRPr lang="en-US" b="1" dirty="0" smtClean="0"/>
-          </a:p>
-          <a:p>
-            <a:pPr>
-              <a:buFont typeface="Arial"/>
-              <a:buChar char="•"/>
-            </a:pPr>
-            <a:r>
-              <a:rPr lang="en-US" b="1" dirty="0" smtClean="0"/>
-              <a:t> Funders and partnership </a:t>
-            </a:r>
-            <a:r>
-              <a:rPr lang="en-US" b="1" dirty="0" err="1" smtClean="0"/>
-              <a:t>organisations</a:t>
-            </a:r>
-            <a:r>
-              <a:rPr lang="en-US" dirty="0" smtClean="0"/>
-              <a:t>  </a:t>
-            </a:r>
-            <a:endParaRPr lang="en-US" dirty="0" smtClean="0"/>
-          </a:p>
-          <a:p>
-            <a:endParaRPr lang="en-US" dirty="0"/>
-          </a:p>
-        </p:txBody>
-      </p:sp>
       <p:pic>
         <p:nvPicPr>
-          <p:cNvPr id="5" name="Picture 4"/>
+          <p:cNvPr id="12" name="Picture 11"/>
           <p:cNvPicPr>
             <a:picLocks noChangeAspect="1"/>
           </p:cNvPicPr>
@@ -4424,17 +4144,335 @@
         </p:blipFill>
         <p:spPr>
           <a:xfrm>
-            <a:off x="7717056" y="3784600"/>
-            <a:ext cx="1228798" cy="1149350"/>
+            <a:off x="4648200" y="4933950"/>
+            <a:ext cx="2413000" cy="622357"/>
           </a:xfrm>
           <a:prstGeom prst="rect">
             <a:avLst/>
           </a:prstGeom>
         </p:spPr>
       </p:pic>
+      <p:sp>
+        <p:nvSpPr>
+          <p:cNvPr id="2" name="Title 1"/>
+          <p:cNvSpPr>
+            <a:spLocks noGrp="1"/>
+          </p:cNvSpPr>
+          <p:nvPr>
+            <p:ph type="title"/>
+          </p:nvPr>
+        </p:nvSpPr>
+        <p:spPr>
+          <a:xfrm>
+            <a:off x="0" y="0"/>
+            <a:ext cx="6832600" cy="1096962"/>
+          </a:xfrm>
+        </p:spPr>
+        <p:txBody>
+          <a:bodyPr>
+            <a:normAutofit/>
+          </a:bodyPr>
+          <a:lstStyle/>
+          <a:p>
+            <a:pPr algn="l"/>
+            <a:r>
+              <a:rPr lang="en-US" dirty="0" smtClean="0"/>
+              <a:t>Who is Data Carpentry </a:t>
+            </a:r>
+            <a:endParaRPr lang="en-US" dirty="0"/>
+          </a:p>
+        </p:txBody>
+      </p:sp>
+      <p:sp>
+        <p:nvSpPr>
+          <p:cNvPr id="7" name="Rectangle 6"/>
+          <p:cNvSpPr/>
+          <p:nvPr/>
+        </p:nvSpPr>
+        <p:spPr>
+          <a:xfrm>
+            <a:off x="203200" y="1017876"/>
+            <a:ext cx="8420100" cy="5078314"/>
+          </a:xfrm>
+          <a:prstGeom prst="rect">
+            <a:avLst/>
+          </a:prstGeom>
+        </p:spPr>
+        <p:txBody>
+          <a:bodyPr wrap="square">
+            <a:spAutoFit/>
+          </a:bodyPr>
+          <a:lstStyle/>
+          <a:p>
+            <a:pPr>
+              <a:buFont typeface="Arial"/>
+              <a:buChar char="•"/>
+            </a:pPr>
+            <a:r>
+              <a:rPr lang="en-US" b="1" dirty="0" smtClean="0"/>
+              <a:t> Project lead: </a:t>
+            </a:r>
+          </a:p>
+          <a:p>
+            <a:pPr lvl="1"/>
+            <a:r>
+              <a:rPr lang="en-US" dirty="0" smtClean="0"/>
+              <a:t>Tracy </a:t>
+            </a:r>
+            <a:r>
+              <a:rPr lang="en-US" dirty="0" smtClean="0"/>
+              <a:t>K. </a:t>
+            </a:r>
+            <a:r>
+              <a:rPr lang="en-US" dirty="0" smtClean="0"/>
+              <a:t>Teal (Michigan </a:t>
+            </a:r>
+            <a:r>
+              <a:rPr lang="en-US" dirty="0" smtClean="0"/>
+              <a:t>State </a:t>
+            </a:r>
+            <a:r>
+              <a:rPr lang="en-US" dirty="0" smtClean="0"/>
+              <a:t>University) </a:t>
+            </a:r>
+          </a:p>
+          <a:p>
+            <a:pPr>
+              <a:buFont typeface="Arial"/>
+              <a:buChar char="•"/>
+            </a:pPr>
+            <a:endParaRPr lang="en-US" dirty="0" smtClean="0"/>
+          </a:p>
+          <a:p>
+            <a:pPr>
+              <a:buFont typeface="Arial"/>
+              <a:buChar char="•"/>
+            </a:pPr>
+            <a:r>
+              <a:rPr lang="en-US" b="1" dirty="0" smtClean="0"/>
+              <a:t> Steering Committee: </a:t>
+            </a:r>
+          </a:p>
+          <a:p>
+            <a:pPr lvl="1"/>
+            <a:r>
+              <a:rPr lang="en-US" dirty="0" smtClean="0"/>
+              <a:t>Karen </a:t>
+            </a:r>
+            <a:r>
+              <a:rPr lang="en-US" dirty="0" smtClean="0"/>
+              <a:t>A. Cranston, Hilmar Lapp</a:t>
+            </a:r>
+            <a:r>
+              <a:rPr lang="en-US" dirty="0" smtClean="0"/>
+              <a:t> </a:t>
+            </a:r>
+            <a:r>
+              <a:rPr lang="en-US" dirty="0" smtClean="0"/>
+              <a:t>(</a:t>
+            </a:r>
+            <a:r>
+              <a:rPr lang="en-US" dirty="0" smtClean="0"/>
+              <a:t>National </a:t>
+            </a:r>
+            <a:r>
+              <a:rPr lang="en-US" dirty="0" smtClean="0"/>
+              <a:t>Evolutionary Synthesis </a:t>
+            </a:r>
+            <a:r>
+              <a:rPr lang="en-US" dirty="0" smtClean="0"/>
+              <a:t>Center, </a:t>
+            </a:r>
+            <a:r>
+              <a:rPr lang="en-US" dirty="0" err="1" smtClean="0"/>
+              <a:t>NESCent</a:t>
+            </a:r>
+            <a:r>
+              <a:rPr lang="en-US" dirty="0" smtClean="0"/>
+              <a:t>) </a:t>
+            </a:r>
+          </a:p>
+          <a:p>
+            <a:pPr lvl="1"/>
+            <a:r>
+              <a:rPr lang="en-US" dirty="0" smtClean="0"/>
+              <a:t>Ethan White (Utah </a:t>
+            </a:r>
+            <a:r>
+              <a:rPr lang="en-US" dirty="0" smtClean="0"/>
+              <a:t>State </a:t>
+            </a:r>
+            <a:r>
+              <a:rPr lang="en-US" dirty="0" smtClean="0"/>
+              <a:t>University) </a:t>
+            </a:r>
+          </a:p>
+          <a:p>
+            <a:pPr lvl="1"/>
+            <a:r>
+              <a:rPr lang="en-US" dirty="0" smtClean="0"/>
+              <a:t>Greg Wilson (Software </a:t>
+            </a:r>
+            <a:r>
+              <a:rPr lang="en-US" dirty="0" smtClean="0"/>
+              <a:t>Carpentry </a:t>
+            </a:r>
+            <a:r>
+              <a:rPr lang="en-US" dirty="0" smtClean="0"/>
+              <a:t>Foundation)</a:t>
+            </a:r>
+          </a:p>
+          <a:p>
+            <a:pPr lvl="1"/>
+            <a:r>
+              <a:rPr lang="en-US" dirty="0" err="1" smtClean="0"/>
+              <a:t>Karthik</a:t>
+            </a:r>
+            <a:r>
+              <a:rPr lang="en-US" dirty="0" smtClean="0"/>
+              <a:t> Ram (University </a:t>
+            </a:r>
+            <a:r>
+              <a:rPr lang="en-US" dirty="0" smtClean="0"/>
+              <a:t>of </a:t>
+            </a:r>
+            <a:r>
+              <a:rPr lang="en-US" dirty="0" smtClean="0"/>
+              <a:t>California)</a:t>
+            </a:r>
+          </a:p>
+          <a:p>
+            <a:pPr lvl="1"/>
+            <a:r>
+              <a:rPr lang="en-US" dirty="0" smtClean="0"/>
+              <a:t>Aleksandra Pawlik (University </a:t>
+            </a:r>
+            <a:r>
+              <a:rPr lang="en-US" dirty="0" smtClean="0"/>
+              <a:t>of </a:t>
+            </a:r>
+            <a:r>
+              <a:rPr lang="en-US" dirty="0" smtClean="0"/>
+              <a:t>Manchester)</a:t>
+            </a:r>
+          </a:p>
+          <a:p>
+            <a:pPr>
+              <a:buFont typeface="Arial"/>
+              <a:buChar char="•"/>
+            </a:pPr>
+            <a:endParaRPr lang="en-US" dirty="0" smtClean="0"/>
+          </a:p>
+          <a:p>
+            <a:pPr>
+              <a:buFont typeface="Arial"/>
+              <a:buChar char="•"/>
+            </a:pPr>
+            <a:r>
+              <a:rPr lang="en-US" b="1" dirty="0" smtClean="0"/>
+              <a:t> Administrators:</a:t>
+            </a:r>
+            <a:r>
+              <a:rPr lang="en-US" dirty="0" smtClean="0"/>
+              <a:t> </a:t>
+            </a:r>
+            <a:r>
+              <a:rPr lang="en-US" dirty="0" err="1" smtClean="0"/>
+              <a:t>Arliss</a:t>
+            </a:r>
+            <a:r>
+              <a:rPr lang="en-US" dirty="0" smtClean="0"/>
+              <a:t> Collins (MSL) and </a:t>
+            </a:r>
+            <a:r>
+              <a:rPr lang="en-US" dirty="0" err="1" smtClean="0"/>
+              <a:t>Giacomo</a:t>
+            </a:r>
+            <a:r>
+              <a:rPr lang="en-US" dirty="0" smtClean="0"/>
+              <a:t> Peru (SSI)</a:t>
+            </a:r>
+          </a:p>
+          <a:p>
+            <a:pPr>
+              <a:buFont typeface="Arial"/>
+              <a:buChar char="•"/>
+            </a:pPr>
+            <a:endParaRPr lang="en-US" dirty="0" smtClean="0"/>
+          </a:p>
+          <a:p>
+            <a:pPr>
+              <a:buFont typeface="Arial"/>
+              <a:buChar char="•"/>
+            </a:pPr>
+            <a:r>
+              <a:rPr lang="en-US" b="1" dirty="0" smtClean="0"/>
+              <a:t> Assessment support: </a:t>
+            </a:r>
+            <a:r>
+              <a:rPr lang="en-US" dirty="0" smtClean="0"/>
+              <a:t>Shari Ellis, </a:t>
+            </a:r>
+            <a:r>
+              <a:rPr lang="en-US" dirty="0" err="1" smtClean="0"/>
+              <a:t>iDigBio</a:t>
+            </a:r>
+            <a:r>
+              <a:rPr lang="en-US" dirty="0" smtClean="0"/>
+              <a:t> </a:t>
+            </a:r>
+          </a:p>
+          <a:p>
+            <a:pPr>
+              <a:buFont typeface="Arial"/>
+              <a:buChar char="•"/>
+            </a:pPr>
+            <a:endParaRPr lang="en-US" dirty="0" smtClean="0"/>
+          </a:p>
+          <a:p>
+            <a:pPr>
+              <a:buFont typeface="Arial"/>
+              <a:buChar char="•"/>
+            </a:pPr>
+            <a:r>
+              <a:rPr lang="en-US" b="1" dirty="0" smtClean="0"/>
+              <a:t> Instructors: </a:t>
+            </a:r>
+            <a:r>
+              <a:rPr lang="en-US" dirty="0" smtClean="0"/>
+              <a:t>international volunteer network</a:t>
+            </a:r>
+          </a:p>
+          <a:p>
+            <a:endParaRPr lang="en-US" b="1" dirty="0" smtClean="0"/>
+          </a:p>
+          <a:p>
+            <a:pPr>
+              <a:buFont typeface="Arial"/>
+              <a:buChar char="•"/>
+            </a:pPr>
+            <a:r>
+              <a:rPr lang="en-US" b="1" dirty="0" smtClean="0"/>
+              <a:t> Funders and partnership </a:t>
+            </a:r>
+            <a:r>
+              <a:rPr lang="en-US" b="1" dirty="0" err="1" smtClean="0"/>
+              <a:t>organisations</a:t>
+            </a:r>
+            <a:r>
+              <a:rPr lang="en-US" dirty="0" smtClean="0"/>
+              <a:t>  </a:t>
+            </a:r>
+            <a:endParaRPr lang="en-US" dirty="0" smtClean="0"/>
+          </a:p>
+          <a:p>
+            <a:endParaRPr lang="en-US" dirty="0"/>
+          </a:p>
+        </p:txBody>
+      </p:sp>
       <p:pic>
         <p:nvPicPr>
-          <p:cNvPr id="6" name="Picture 5"/>
+          <p:cNvPr id="5" name="Picture 4"/>
           <p:cNvPicPr>
             <a:picLocks noChangeAspect="1"/>
           </p:cNvPicPr>
@@ -4448,8 +4486,8 @@
         </p:blipFill>
         <p:spPr>
           <a:xfrm>
-            <a:off x="7780556" y="5010150"/>
-            <a:ext cx="1249165" cy="1168400"/>
+            <a:off x="7717056" y="3784600"/>
+            <a:ext cx="1228798" cy="1149350"/>
           </a:xfrm>
           <a:prstGeom prst="rect">
             <a:avLst/>
@@ -4458,7 +4496,7 @@
       </p:pic>
       <p:pic>
         <p:nvPicPr>
-          <p:cNvPr id="8" name="Picture 7"/>
+          <p:cNvPr id="6" name="Picture 5"/>
           <p:cNvPicPr>
             <a:picLocks noChangeAspect="1"/>
           </p:cNvPicPr>
@@ -4472,7 +4510,31 @@
         </p:blipFill>
         <p:spPr>
           <a:xfrm>
-            <a:off x="5854700" y="5843051"/>
+            <a:off x="7780556" y="5010150"/>
+            <a:ext cx="1249165" cy="1168400"/>
+          </a:xfrm>
+          <a:prstGeom prst="rect">
+            <a:avLst/>
+          </a:prstGeom>
+        </p:spPr>
+      </p:pic>
+      <p:pic>
+        <p:nvPicPr>
+          <p:cNvPr id="8" name="Picture 7"/>
+          <p:cNvPicPr>
+            <a:picLocks noChangeAspect="1"/>
+          </p:cNvPicPr>
+          <p:nvPr/>
+        </p:nvPicPr>
+        <p:blipFill>
+          <a:blip r:embed="rId5"/>
+          <a:stretch>
+            <a:fillRect/>
+          </a:stretch>
+        </p:blipFill>
+        <p:spPr>
+          <a:xfrm>
+            <a:off x="5286773" y="5556307"/>
             <a:ext cx="1663700" cy="429698"/>
           </a:xfrm>
           <a:prstGeom prst="rect">
@@ -4489,7 +4551,7 @@
           <p:nvPr/>
         </p:nvPicPr>
         <p:blipFill>
-          <a:blip r:embed="rId5">
+          <a:blip r:embed="rId6">
             <a:extLst>
               <a:ext uri="{28A0092B-C50C-407E-A947-70E740481C1C}">
                 <a14:useLocalDpi xmlns:a14="http://schemas.microsoft.com/office/drawing/2010/main" xmlns:p="http://schemas.openxmlformats.org/presentationml/2006/main" xmlns:r="http://schemas.openxmlformats.org/officeDocument/2006/relationships" xmlns:a="http://schemas.openxmlformats.org/drawingml/2006/main" xmlns="" val="0"/>
@@ -4513,30 +4575,6 @@
       <p:pic>
         <p:nvPicPr>
           <p:cNvPr id="10" name="Picture 9"/>
-          <p:cNvPicPr>
-            <a:picLocks noChangeAspect="1"/>
-          </p:cNvPicPr>
-          <p:nvPr/>
-        </p:nvPicPr>
-        <p:blipFill>
-          <a:blip r:embed="rId6"/>
-          <a:stretch>
-            <a:fillRect/>
-          </a:stretch>
-        </p:blipFill>
-        <p:spPr>
-          <a:xfrm>
-            <a:off x="4114610" y="5638800"/>
-            <a:ext cx="1098740" cy="1098740"/>
-          </a:xfrm>
-          <a:prstGeom prst="rect">
-            <a:avLst/>
-          </a:prstGeom>
-        </p:spPr>
-      </p:pic>
-      <p:pic>
-        <p:nvPicPr>
-          <p:cNvPr id="11" name="Picture 10"/>
           <p:cNvPicPr>
             <a:picLocks noChangeAspect="1"/>
           </p:cNvPicPr>
@@ -4550,8 +4588,8 @@
         </p:blipFill>
         <p:spPr>
           <a:xfrm>
-            <a:off x="6686550" y="2886308"/>
-            <a:ext cx="2279671" cy="664675"/>
+            <a:off x="4114610" y="5638800"/>
+            <a:ext cx="1098740" cy="1098740"/>
           </a:xfrm>
           <a:prstGeom prst="rect">
             <a:avLst/>
@@ -4560,7 +4598,7 @@
       </p:pic>
       <p:pic>
         <p:nvPicPr>
-          <p:cNvPr id="12" name="Picture 11"/>
+          <p:cNvPr id="11" name="Picture 10"/>
           <p:cNvPicPr>
             <a:picLocks noChangeAspect="1"/>
           </p:cNvPicPr>
@@ -4574,8 +4612,8 @@
         </p:blipFill>
         <p:spPr>
           <a:xfrm>
-            <a:off x="4648200" y="5022850"/>
-            <a:ext cx="2413000" cy="622357"/>
+            <a:off x="6686550" y="2886308"/>
+            <a:ext cx="2279671" cy="664675"/>
           </a:xfrm>
           <a:prstGeom prst="rect">
             <a:avLst/>
@@ -4624,6 +4662,30 @@
           <a:xfrm>
             <a:off x="4947447" y="4269980"/>
             <a:ext cx="1739103" cy="635801"/>
+          </a:xfrm>
+          <a:prstGeom prst="rect">
+            <a:avLst/>
+          </a:prstGeom>
+        </p:spPr>
+      </p:pic>
+      <p:pic>
+        <p:nvPicPr>
+          <p:cNvPr id="15" name="Picture 14"/>
+          <p:cNvPicPr>
+            <a:picLocks noChangeAspect="1"/>
+          </p:cNvPicPr>
+          <p:nvPr/>
+        </p:nvPicPr>
+        <p:blipFill>
+          <a:blip r:embed="rId11"/>
+          <a:stretch>
+            <a:fillRect/>
+          </a:stretch>
+        </p:blipFill>
+        <p:spPr>
+          <a:xfrm>
+            <a:off x="6052537" y="6027476"/>
+            <a:ext cx="1885153" cy="746648"/>
           </a:xfrm>
           <a:prstGeom prst="rect">
             <a:avLst/>
@@ -6237,8 +6299,8 @@
         </p:blipFill>
         <p:spPr>
           <a:xfrm rot="1106318">
-            <a:off x="3848100" y="964185"/>
-            <a:ext cx="2495550" cy="1652327"/>
+            <a:off x="3888276" y="716654"/>
+            <a:ext cx="3003859" cy="1988883"/>
           </a:xfrm>
           <a:prstGeom prst="rect">
             <a:avLst/>
@@ -6260,9 +6322,9 @@
           </a:stretch>
         </p:blipFill>
         <p:spPr>
-          <a:xfrm>
-            <a:off x="4114636" y="2465255"/>
-            <a:ext cx="2226954" cy="1241788"/>
+          <a:xfrm rot="20924824">
+            <a:off x="4698559" y="2378346"/>
+            <a:ext cx="3071296" cy="1712608"/>
           </a:xfrm>
           <a:prstGeom prst="rect">
             <a:avLst/>
@@ -6284,9 +6346,9 @@
           </a:stretch>
         </p:blipFill>
         <p:spPr>
-          <a:xfrm rot="10800000">
-            <a:off x="4216800" y="3967033"/>
-            <a:ext cx="2615800" cy="1864779"/>
+          <a:xfrm rot="12192308">
+            <a:off x="4290337" y="3646967"/>
+            <a:ext cx="3351191" cy="2389032"/>
           </a:xfrm>
           <a:prstGeom prst="rect">
             <a:avLst/>

--- a/IDCC2015_Data_Carpentry.pptx
+++ b/IDCC2015_Data_Carpentry.pptx
@@ -4191,8 +4191,8 @@
         </p:nvSpPr>
         <p:spPr>
           <a:xfrm>
-            <a:off x="203200" y="1017876"/>
-            <a:ext cx="8420100" cy="5078314"/>
+            <a:off x="203200" y="916276"/>
+            <a:ext cx="8420100" cy="5355313"/>
           </a:xfrm>
           <a:prstGeom prst="rect">
             <a:avLst/>
@@ -4261,7 +4261,38 @@
             </a:r>
             <a:r>
               <a:rPr lang="en-US" dirty="0" smtClean="0"/>
-              <a:t>A. Cranston, Hilmar Lapp</a:t>
+              <a:t>A. </a:t>
+            </a:r>
+            <a:r>
+              <a:rPr lang="en-US" dirty="0" smtClean="0"/>
+              <a:t>Cranston </a:t>
+            </a:r>
+            <a:r>
+              <a:rPr lang="en-US" dirty="0" smtClean="0"/>
+              <a:t>(National Evolutionary Synthesis Center, </a:t>
+            </a:r>
+            <a:r>
+              <a:rPr lang="en-US" dirty="0" err="1" smtClean="0"/>
+              <a:t>NESCent</a:t>
+            </a:r>
+            <a:r>
+              <a:rPr lang="en-US" dirty="0" smtClean="0"/>
+              <a:t>) </a:t>
+            </a:r>
+            <a:r>
+              <a:rPr lang="en-US" dirty="0" smtClean="0"/>
+              <a:t> </a:t>
+            </a:r>
+          </a:p>
+          <a:p>
+            <a:pPr lvl="1"/>
+            <a:r>
+              <a:rPr lang="en-US" dirty="0" smtClean="0"/>
+              <a:t>Hilmar </a:t>
+            </a:r>
+            <a:r>
+              <a:rPr lang="en-US" dirty="0" smtClean="0"/>
+              <a:t>Lapp</a:t>
             </a:r>
             <a:r>
               <a:rPr lang="en-US" dirty="0" smtClean="0"/>
@@ -4574,7 +4605,7 @@
       </p:pic>
       <p:pic>
         <p:nvPicPr>
-          <p:cNvPr id="10" name="Picture 9"/>
+          <p:cNvPr id="11" name="Picture 10"/>
           <p:cNvPicPr>
             <a:picLocks noChangeAspect="1"/>
           </p:cNvPicPr>
@@ -4588,8 +4619,8 @@
         </p:blipFill>
         <p:spPr>
           <a:xfrm>
-            <a:off x="4114610" y="5638800"/>
-            <a:ext cx="1098740" cy="1098740"/>
+            <a:off x="6686550" y="2886308"/>
+            <a:ext cx="2279671" cy="664675"/>
           </a:xfrm>
           <a:prstGeom prst="rect">
             <a:avLst/>
@@ -4598,7 +4629,7 @@
       </p:pic>
       <p:pic>
         <p:nvPicPr>
-          <p:cNvPr id="11" name="Picture 10"/>
+          <p:cNvPr id="13" name="Picture 12"/>
           <p:cNvPicPr>
             <a:picLocks noChangeAspect="1"/>
           </p:cNvPicPr>
@@ -4612,8 +4643,8 @@
         </p:blipFill>
         <p:spPr>
           <a:xfrm>
-            <a:off x="6686550" y="2886308"/>
-            <a:ext cx="2279671" cy="664675"/>
+            <a:off x="6197600" y="3656799"/>
+            <a:ext cx="1740090" cy="536981"/>
           </a:xfrm>
           <a:prstGeom prst="rect">
             <a:avLst/>
@@ -4622,7 +4653,7 @@
       </p:pic>
       <p:pic>
         <p:nvPicPr>
-          <p:cNvPr id="13" name="Picture 12"/>
+          <p:cNvPr id="14" name="Picture 13"/>
           <p:cNvPicPr>
             <a:picLocks noChangeAspect="1"/>
           </p:cNvPicPr>
@@ -4636,8 +4667,8 @@
         </p:blipFill>
         <p:spPr>
           <a:xfrm>
-            <a:off x="6197600" y="3656799"/>
-            <a:ext cx="1740090" cy="536981"/>
+            <a:off x="4947447" y="4269980"/>
+            <a:ext cx="1739103" cy="635801"/>
           </a:xfrm>
           <a:prstGeom prst="rect">
             <a:avLst/>
@@ -4646,7 +4677,7 @@
       </p:pic>
       <p:pic>
         <p:nvPicPr>
-          <p:cNvPr id="14" name="Picture 13"/>
+          <p:cNvPr id="15" name="Picture 14"/>
           <p:cNvPicPr>
             <a:picLocks noChangeAspect="1"/>
           </p:cNvPicPr>
@@ -4660,8 +4691,8 @@
         </p:blipFill>
         <p:spPr>
           <a:xfrm>
-            <a:off x="4947447" y="4269980"/>
-            <a:ext cx="1739103" cy="635801"/>
+            <a:off x="6052537" y="6027476"/>
+            <a:ext cx="1885153" cy="746648"/>
           </a:xfrm>
           <a:prstGeom prst="rect">
             <a:avLst/>
@@ -4670,7 +4701,7 @@
       </p:pic>
       <p:pic>
         <p:nvPicPr>
-          <p:cNvPr id="15" name="Picture 14"/>
+          <p:cNvPr id="16" name="Picture 15"/>
           <p:cNvPicPr>
             <a:picLocks noChangeAspect="1"/>
           </p:cNvPicPr>
@@ -4684,8 +4715,8 @@
         </p:blipFill>
         <p:spPr>
           <a:xfrm>
-            <a:off x="6052537" y="6027476"/>
-            <a:ext cx="1885153" cy="746648"/>
+            <a:off x="4648200" y="6075576"/>
+            <a:ext cx="1244600" cy="616316"/>
           </a:xfrm>
           <a:prstGeom prst="rect">
             <a:avLst/>

--- a/IDCC2015_Data_Carpentry.pptx
+++ b/IDCC2015_Data_Carpentry.pptx
@@ -14,6 +14,7 @@
     <p:sldId id="275" r:id="rId8"/>
     <p:sldId id="271" r:id="rId9"/>
     <p:sldId id="277" r:id="rId10"/>
+    <p:sldId id="278" r:id="rId11"/>
   </p:sldIdLst>
   <p:sldSz cx="9144000" cy="6858000" type="screen4x3"/>
   <p:notesSz cx="6858000" cy="9144000"/>
@@ -3610,6 +3611,74 @@
 </p:sld>
 </file>
 
+<file path=ppt/slides/slide10.xml><?xml version="1.0" encoding="utf-8"?>
+<p:sld xmlns:a="http://schemas.openxmlformats.org/drawingml/2006/main" xmlns:r="http://schemas.openxmlformats.org/officeDocument/2006/relationships" xmlns:mc="http://schemas.openxmlformats.org/markup-compatibility/2006" xmlns:mv="urn:schemas-microsoft-com:mac:vml" xmlns:p="http://schemas.openxmlformats.org/presentationml/2006/main" mc:Ignorable="mv" mc:PreserveAttributes="mv:*">
+  <p:cSld>
+    <p:spTree>
+      <p:nvGrpSpPr>
+        <p:cNvPr id="1" name=""/>
+        <p:cNvGrpSpPr/>
+        <p:nvPr/>
+      </p:nvGrpSpPr>
+      <p:grpSpPr>
+        <a:xfrm>
+          <a:off x="0" y="0"/>
+          <a:ext cx="0" cy="0"/>
+          <a:chOff x="0" y="0"/>
+          <a:chExt cx="0" cy="0"/>
+        </a:xfrm>
+      </p:grpSpPr>
+      <p:sp>
+        <p:nvSpPr>
+          <p:cNvPr id="2" name="Title 1"/>
+          <p:cNvSpPr>
+            <a:spLocks noGrp="1"/>
+          </p:cNvSpPr>
+          <p:nvPr>
+            <p:ph type="title"/>
+          </p:nvPr>
+        </p:nvSpPr>
+        <p:spPr>
+          <a:xfrm>
+            <a:off x="1828800" y="2628900"/>
+            <a:ext cx="5130800" cy="1096962"/>
+          </a:xfrm>
+        </p:spPr>
+        <p:txBody>
+          <a:bodyPr>
+            <a:noAutofit/>
+          </a:bodyPr>
+          <a:lstStyle/>
+          <a:p>
+            <a:pPr algn="l"/>
+            <a:r>
+              <a:rPr lang="en-US" sz="8000" b="1" dirty="0" smtClean="0"/>
+              <a:t>Thank you!</a:t>
+            </a:r>
+            <a:endParaRPr lang="en-US" sz="8000" b="1" dirty="0"/>
+          </a:p>
+        </p:txBody>
+      </p:sp>
+    </p:spTree>
+    <p:extLst>
+      <p:ext uri="{BB962C8B-B14F-4D97-AF65-F5344CB8AC3E}">
+        <p14:creationId xmlns:p14="http://schemas.microsoft.com/office/powerpoint/2010/main" xmlns:p="http://schemas.openxmlformats.org/presentationml/2006/main" xmlns:r="http://schemas.openxmlformats.org/officeDocument/2006/relationships" xmlns:a="http://schemas.openxmlformats.org/drawingml/2006/main" xmlns="" val="1712634974"/>
+      </p:ext>
+    </p:extLst>
+  </p:cSld>
+  <p:clrMapOvr>
+    <a:masterClrMapping/>
+  </p:clrMapOvr>
+  <p:timing>
+    <p:tnLst>
+      <p:par>
+        <p:cTn id="1" dur="indefinite" restart="never" nodeType="tmRoot"/>
+      </p:par>
+    </p:tnLst>
+  </p:timing>
+</p:sld>
+</file>
+
 <file path=ppt/slides/slide2.xml><?xml version="1.0" encoding="utf-8"?>
 <p:sld xmlns:a="http://schemas.openxmlformats.org/drawingml/2006/main" xmlns:r="http://schemas.openxmlformats.org/officeDocument/2006/relationships" xmlns:mc="http://schemas.openxmlformats.org/markup-compatibility/2006" xmlns:mv="urn:schemas-microsoft-com:mac:vml" xmlns:p="http://schemas.openxmlformats.org/presentationml/2006/main" mc:Ignorable="mv" mc:PreserveAttributes="mv:*">
   <p:cSld>
@@ -3648,7 +3717,7 @@
         </p:blipFill>
         <p:spPr>
           <a:xfrm>
-            <a:off x="2501900" y="5163206"/>
+            <a:off x="2286000" y="4756806"/>
             <a:ext cx="4668187" cy="1824835"/>
           </a:xfrm>
           <a:prstGeom prst="rect">
@@ -3682,54 +3751,6 @@
             <a:r>
               <a:rPr lang="en-US" dirty="0" smtClean="0"/>
               <a:t>What is Data Carpentry </a:t>
-            </a:r>
-            <a:endParaRPr lang="en-US" dirty="0"/>
-          </a:p>
-        </p:txBody>
-      </p:sp>
-      <p:sp>
-        <p:nvSpPr>
-          <p:cNvPr id="10" name="Rectangle 9"/>
-          <p:cNvSpPr/>
-          <p:nvPr/>
-        </p:nvSpPr>
-        <p:spPr>
-          <a:xfrm>
-            <a:off x="1978026" y="4350960"/>
-            <a:ext cx="4854574" cy="646331"/>
-          </a:xfrm>
-          <a:prstGeom prst="rect">
-            <a:avLst/>
-          </a:prstGeom>
-        </p:spPr>
-        <p:txBody>
-          <a:bodyPr wrap="square">
-            <a:spAutoFit/>
-          </a:bodyPr>
-          <a:lstStyle/>
-          <a:p>
-            <a:pPr algn="ctr"/>
-            <a:r>
-              <a:rPr lang="en-US" b="1" dirty="0" smtClean="0"/>
-              <a:t>Open </a:t>
-            </a:r>
-            <a:r>
-              <a:rPr lang="en-US" b="1" dirty="0" smtClean="0"/>
-              <a:t>source materials</a:t>
-            </a:r>
-          </a:p>
-          <a:p>
-            <a:r>
-              <a:rPr lang="en-US" dirty="0" smtClean="0"/>
-              <a:t>https://</a:t>
-            </a:r>
-            <a:r>
-              <a:rPr lang="en-US" dirty="0" err="1" smtClean="0"/>
-              <a:t>github.com/datacarpentry/datacarpentry</a:t>
-            </a:r>
-            <a:r>
-              <a:rPr lang="en-US" dirty="0" smtClean="0"/>
-              <a:t>/</a:t>
             </a:r>
             <a:endParaRPr lang="en-US" dirty="0"/>
           </a:p>
@@ -5514,7 +5535,7 @@
         </p:blipFill>
         <p:spPr>
           <a:xfrm>
-            <a:off x="4572000" y="1096961"/>
+            <a:off x="4495800" y="1096961"/>
             <a:ext cx="4457700" cy="3343275"/>
           </a:xfrm>
           <a:prstGeom prst="rect">
@@ -5695,7 +5716,7 @@
         <p:spPr>
           <a:xfrm>
             <a:off x="368300" y="1295400"/>
-            <a:ext cx="4635500" cy="1731243"/>
+            <a:ext cx="4635500" cy="2146742"/>
           </a:xfrm>
           <a:prstGeom prst="rect">
             <a:avLst/>
@@ -5759,7 +5780,21 @@
             </a:pPr>
             <a:r>
               <a:rPr lang="en-US" dirty="0" smtClean="0"/>
-              <a:t>Helpers </a:t>
+              <a:t>Helpers</a:t>
+            </a:r>
+          </a:p>
+          <a:p>
+            <a:pPr indent="360000">
+              <a:lnSpc>
+                <a:spcPct val="150000"/>
+              </a:lnSpc>
+              <a:buSzPct val="100000"/>
+              <a:buFont typeface="Arial"/>
+              <a:buChar char="•"/>
+            </a:pPr>
+            <a:r>
+              <a:rPr lang="en-US" dirty="0" smtClean="0"/>
+              <a:t>Post-it notes! </a:t>
             </a:r>
           </a:p>
         </p:txBody>
@@ -5879,7 +5914,7 @@
         <p:spPr>
           <a:xfrm>
             <a:off x="215900" y="1096962"/>
-            <a:ext cx="7416800" cy="3785652"/>
+            <a:ext cx="7416800" cy="5078313"/>
           </a:xfrm>
           <a:prstGeom prst="rect">
             <a:avLst/>
@@ -5892,15 +5927,15 @@
           <a:lstStyle/>
           <a:p>
             <a:r>
-              <a:rPr lang="en-US" sz="2400" b="1" dirty="0" smtClean="0"/>
+              <a:rPr lang="en-US" sz="2000" b="1" dirty="0" smtClean="0"/>
               <a:t>Workshop</a:t>
             </a:r>
             <a:r>
-              <a:rPr lang="en-US" sz="2400" b="1" dirty="0" smtClean="0"/>
+              <a:rPr lang="en-US" sz="2000" b="1" dirty="0" smtClean="0"/>
               <a:t>s</a:t>
             </a:r>
             <a:r>
-              <a:rPr lang="en-US" sz="2400" dirty="0" smtClean="0"/>
+              <a:rPr lang="en-US" sz="2000" dirty="0" smtClean="0"/>
               <a:t>:</a:t>
             </a:r>
           </a:p>
@@ -5910,54 +5945,172 @@
               <a:t>	</a:t>
             </a:r>
             <a:r>
-              <a:rPr lang="en-US" dirty="0" smtClean="0"/>
-              <a:t> </a:t>
-            </a:r>
-            <a:r>
-              <a:rPr lang="en-US" dirty="0" smtClean="0"/>
-              <a:t>at four of the NSF BIO Centers</a:t>
-            </a:r>
-          </a:p>
-          <a:p>
-            <a:pPr lvl="2">
+              <a:rPr lang="en-US" sz="1600" b="1" dirty="0" smtClean="0"/>
+              <a:t>8</a:t>
+            </a:r>
+            <a:r>
+              <a:rPr lang="en-US" sz="1600" dirty="0" smtClean="0"/>
+              <a:t> in total </a:t>
+            </a:r>
+          </a:p>
+          <a:p>
+            <a:r>
+              <a:rPr lang="en-US" sz="1600" dirty="0" smtClean="0"/>
+              <a:t>	</a:t>
+            </a:r>
+            <a:r>
+              <a:rPr lang="en-US" sz="1600" b="1" dirty="0" smtClean="0"/>
+              <a:t>4</a:t>
+            </a:r>
+            <a:r>
+              <a:rPr lang="en-US" sz="1600" dirty="0" smtClean="0"/>
+              <a:t> at the </a:t>
+            </a:r>
+            <a:r>
+              <a:rPr lang="en-US" sz="1600" dirty="0" smtClean="0"/>
+              <a:t>NSF BIO Centers</a:t>
+            </a:r>
+          </a:p>
+          <a:p>
+            <a:pPr lvl="2" indent="457200">
               <a:buFont typeface="Arial"/>
               <a:buChar char="•"/>
             </a:pPr>
             <a:r>
-              <a:rPr lang="en-US" dirty="0" err="1" smtClean="0"/>
+              <a:rPr lang="en-US" sz="1600" dirty="0" err="1" smtClean="0"/>
               <a:t>iDigBio</a:t>
             </a:r>
-            <a:endParaRPr lang="en-US" dirty="0" smtClean="0"/>
-          </a:p>
-          <a:p>
-            <a:pPr lvl="2">
+            <a:endParaRPr lang="en-US" sz="1600" dirty="0" smtClean="0"/>
+          </a:p>
+          <a:p>
+            <a:pPr lvl="2" indent="457200">
               <a:buFont typeface="Arial"/>
               <a:buChar char="•"/>
             </a:pPr>
             <a:r>
-              <a:rPr lang="en-US" dirty="0" smtClean="0"/>
+              <a:rPr lang="en-US" sz="1600" dirty="0" smtClean="0"/>
               <a:t>BEACON</a:t>
             </a:r>
           </a:p>
           <a:p>
-            <a:pPr lvl="2">
+            <a:pPr lvl="2" indent="457200">
               <a:buFont typeface="Arial"/>
               <a:buChar char="•"/>
             </a:pPr>
             <a:r>
-              <a:rPr lang="en-US" dirty="0" smtClean="0"/>
+              <a:rPr lang="en-US" sz="1600" dirty="0" smtClean="0"/>
               <a:t>SESYNC</a:t>
             </a:r>
           </a:p>
           <a:p>
-            <a:pPr lvl="2">
+            <a:pPr lvl="2" indent="457200">
               <a:buFont typeface="Arial"/>
               <a:buChar char="•"/>
             </a:pPr>
             <a:r>
-              <a:rPr lang="en-US" dirty="0" err="1" smtClean="0"/>
+              <a:rPr lang="en-US" sz="1600" dirty="0" err="1" smtClean="0"/>
               <a:t>NESCent</a:t>
             </a:r>
+            <a:endParaRPr lang="en-US" sz="1600" dirty="0" smtClean="0"/>
+          </a:p>
+          <a:p>
+            <a:r>
+              <a:rPr lang="en-US" sz="1600" dirty="0" smtClean="0"/>
+              <a:t>	</a:t>
+            </a:r>
+            <a:r>
+              <a:rPr lang="en-US" sz="1600" b="1" dirty="0" smtClean="0"/>
+              <a:t>1st</a:t>
+            </a:r>
+            <a:r>
+              <a:rPr lang="en-US" sz="1600" dirty="0" smtClean="0"/>
+              <a:t> </a:t>
+            </a:r>
+            <a:r>
+              <a:rPr lang="en-US" sz="1600" dirty="0" smtClean="0"/>
+              <a:t>Data Carpentry workshop in the </a:t>
+            </a:r>
+            <a:r>
+              <a:rPr lang="en-US" sz="1600" dirty="0" smtClean="0"/>
+              <a:t>UK in collaboration with ELIXIR UK</a:t>
+            </a:r>
+          </a:p>
+          <a:p>
+            <a:endParaRPr lang="en-US" sz="2400" dirty="0" smtClean="0"/>
+          </a:p>
+          <a:p>
+            <a:r>
+              <a:rPr lang="en-US" sz="2000" b="1" dirty="0" err="1" smtClean="0"/>
+              <a:t>Hackathons</a:t>
+            </a:r>
+            <a:r>
+              <a:rPr lang="en-US" sz="2000" dirty="0" smtClean="0"/>
+              <a:t> for material </a:t>
+            </a:r>
+            <a:r>
+              <a:rPr lang="en-US" sz="2000" dirty="0" smtClean="0"/>
+              <a:t>development</a:t>
+            </a:r>
+          </a:p>
+          <a:p>
+            <a:r>
+              <a:rPr lang="en-US" sz="1600" dirty="0" smtClean="0"/>
+              <a:t>	</a:t>
+            </a:r>
+            <a:r>
+              <a:rPr lang="en-US" sz="1600" dirty="0" err="1" smtClean="0"/>
+              <a:t>Mozilla</a:t>
+            </a:r>
+            <a:r>
+              <a:rPr lang="en-US" sz="1600" dirty="0" smtClean="0"/>
+              <a:t> </a:t>
+            </a:r>
+            <a:r>
+              <a:rPr lang="en-US" sz="1600" dirty="0" smtClean="0"/>
+              <a:t>Science Lab sprints July 22-</a:t>
+            </a:r>
+            <a:r>
+              <a:rPr lang="en-US" sz="1600" dirty="0" smtClean="0"/>
+              <a:t>23, 2015</a:t>
+            </a:r>
+          </a:p>
+          <a:p>
+            <a:endParaRPr lang="en-US" sz="2400" dirty="0" smtClean="0"/>
+          </a:p>
+          <a:p>
+            <a:r>
+              <a:rPr lang="en-US" sz="2000" b="1" dirty="0" smtClean="0"/>
+              <a:t>Open </a:t>
+            </a:r>
+            <a:r>
+              <a:rPr lang="en-US" sz="2000" b="1" dirty="0" smtClean="0"/>
+              <a:t>source materials</a:t>
+            </a:r>
+            <a:endParaRPr lang="en-US" sz="2000" b="1" dirty="0" smtClean="0"/>
+          </a:p>
+          <a:p>
+            <a:r>
+              <a:rPr lang="en-US" sz="1600" dirty="0" smtClean="0"/>
+              <a:t>	</a:t>
+            </a:r>
+            <a:r>
+              <a:rPr lang="en-US" dirty="0" smtClean="0">
+                <a:hlinkClick r:id="rId2"/>
+              </a:rPr>
+              <a:t>https</a:t>
+            </a:r>
+            <a:r>
+              <a:rPr lang="en-US" dirty="0" smtClean="0">
+                <a:hlinkClick r:id="rId2"/>
+              </a:rPr>
+              <a:t>://github.com/datacarpentry/datacarpentry</a:t>
+            </a:r>
+            <a:r>
+              <a:rPr lang="en-US" dirty="0" smtClean="0">
+                <a:hlinkClick r:id="rId2"/>
+              </a:rPr>
+              <a:t>/</a:t>
+            </a:r>
             <a:endParaRPr lang="en-US" dirty="0" smtClean="0"/>
           </a:p>
           <a:p>
@@ -5965,75 +6118,18 @@
           </a:p>
           <a:p>
             <a:r>
-              <a:rPr lang="en-US" dirty="0" smtClean="0"/>
-              <a:t>	first </a:t>
-            </a:r>
-            <a:r>
-              <a:rPr lang="en-US" dirty="0" smtClean="0"/>
-              <a:t>Data Carpentry workshop in the </a:t>
-            </a:r>
-            <a:r>
-              <a:rPr lang="en-US" dirty="0" smtClean="0"/>
-              <a:t>UK in collaboration with ELIXIR UK</a:t>
-            </a:r>
-          </a:p>
-          <a:p>
-            <a:endParaRPr lang="en-US" dirty="0" smtClean="0"/>
+              <a:rPr lang="en-US" b="1" dirty="0" smtClean="0"/>
+              <a:t>Partnership</a:t>
+            </a:r>
+            <a:r>
+              <a:rPr lang="en-US" dirty="0" smtClean="0"/>
+              <a:t> with Software Carpentry Foundation</a:t>
+            </a:r>
           </a:p>
           <a:p>
             <a:endParaRPr lang="en-US" sz="2400" dirty="0" smtClean="0"/>
           </a:p>
           <a:p>
-            <a:r>
-              <a:rPr lang="en-US" sz="2400" b="1" dirty="0" err="1" smtClean="0"/>
-              <a:t>Hackathons</a:t>
-            </a:r>
-            <a:r>
-              <a:rPr lang="en-US" sz="2400" dirty="0" smtClean="0"/>
-              <a:t> for material </a:t>
-            </a:r>
-            <a:r>
-              <a:rPr lang="en-US" sz="2400" dirty="0" smtClean="0"/>
-              <a:t>development</a:t>
-            </a:r>
-          </a:p>
-          <a:p>
-            <a:endParaRPr lang="en-US" sz="2400" dirty="0" smtClean="0"/>
-          </a:p>
-          <a:p>
-            <a:endParaRPr lang="en-US" dirty="0"/>
-          </a:p>
-        </p:txBody>
-      </p:sp>
-      <p:sp>
-        <p:nvSpPr>
-          <p:cNvPr id="5" name="Rectangle 4"/>
-          <p:cNvSpPr/>
-          <p:nvPr/>
-        </p:nvSpPr>
-        <p:spPr>
-          <a:xfrm>
-            <a:off x="892838" y="4513282"/>
-            <a:ext cx="3679162" cy="369332"/>
-          </a:xfrm>
-          <a:prstGeom prst="rect">
-            <a:avLst/>
-          </a:prstGeom>
-        </p:spPr>
-        <p:txBody>
-          <a:bodyPr wrap="none">
-            <a:spAutoFit/>
-          </a:bodyPr>
-          <a:lstStyle/>
-          <a:p>
-            <a:r>
-              <a:rPr lang="en-US" dirty="0" err="1" smtClean="0"/>
-              <a:t>Mozilla</a:t>
-            </a:r>
-            <a:r>
-              <a:rPr lang="en-US" dirty="0" smtClean="0"/>
-              <a:t> Science Lab sprints July 22-23</a:t>
-            </a:r>
             <a:endParaRPr lang="en-US" dirty="0"/>
           </a:p>
         </p:txBody>
